--- a/详细设计/主界面设计.pptx
+++ b/详细设计/主界面设计.pptx
@@ -5,10 +5,14 @@
     <p:sldMasterId id="2147483648" r:id="rId1"/>
   </p:sldMasterIdLst>
   <p:notesMasterIdLst>
-    <p:notesMasterId r:id="rId3"/>
+    <p:notesMasterId r:id="rId7"/>
   </p:notesMasterIdLst>
   <p:sldIdLst>
     <p:sldId id="256" r:id="rId2"/>
+    <p:sldId id="257" r:id="rId3"/>
+    <p:sldId id="258" r:id="rId4"/>
+    <p:sldId id="259" r:id="rId5"/>
+    <p:sldId id="260" r:id="rId6"/>
   </p:sldIdLst>
   <p:sldSz cx="12192000" cy="6858000"/>
   <p:notesSz cx="6858000" cy="9144000"/>
@@ -107,6 +111,11 @@
       </a:defRPr>
     </a:lvl9pPr>
   </p:defaultTextStyle>
+  <p:extLst>
+    <p:ext uri="{EFAFB233-063F-42B5-8137-9DF3F51BA10A}">
+      <p15:sldGuideLst xmlns:p15="http://schemas.microsoft.com/office/powerpoint/2012/main"/>
+    </p:ext>
+  </p:extLst>
 </p:presentation>
 </file>
 
@@ -192,7 +201,7 @@
           <a:p>
             <a:fld id="{C3F0D462-3001-4D4A-968C-EA029E5B9C9B}" type="datetimeFigureOut">
               <a:rPr kumimoji="1" lang="zh-CN" altLang="en-US" smtClean="0"/>
-              <a:t>2017/8/29</a:t>
+              <a:t>2017/8/30</a:t>
             </a:fld>
             <a:endParaRPr kumimoji="1" lang="zh-CN" altLang="en-US"/>
           </a:p>
@@ -591,7 +600,7 @@
           <a:p>
             <a:fld id="{C8F0BE69-45AE-364B-A3A6-FED923136841}" type="datetimeFigureOut">
               <a:rPr kumimoji="1" lang="zh-CN" altLang="en-US" smtClean="0"/>
-              <a:t>2017/8/29</a:t>
+              <a:t>2017/8/30</a:t>
             </a:fld>
             <a:endParaRPr kumimoji="1" lang="zh-CN" altLang="en-US"/>
           </a:p>
@@ -761,7 +770,7 @@
           <a:p>
             <a:fld id="{C8F0BE69-45AE-364B-A3A6-FED923136841}" type="datetimeFigureOut">
               <a:rPr kumimoji="1" lang="zh-CN" altLang="en-US" smtClean="0"/>
-              <a:t>2017/8/29</a:t>
+              <a:t>2017/8/30</a:t>
             </a:fld>
             <a:endParaRPr kumimoji="1" lang="zh-CN" altLang="en-US"/>
           </a:p>
@@ -941,7 +950,7 @@
           <a:p>
             <a:fld id="{C8F0BE69-45AE-364B-A3A6-FED923136841}" type="datetimeFigureOut">
               <a:rPr kumimoji="1" lang="zh-CN" altLang="en-US" smtClean="0"/>
-              <a:t>2017/8/29</a:t>
+              <a:t>2017/8/30</a:t>
             </a:fld>
             <a:endParaRPr kumimoji="1" lang="zh-CN" altLang="en-US"/>
           </a:p>
@@ -1111,7 +1120,7 @@
           <a:p>
             <a:fld id="{C8F0BE69-45AE-364B-A3A6-FED923136841}" type="datetimeFigureOut">
               <a:rPr kumimoji="1" lang="zh-CN" altLang="en-US" smtClean="0"/>
-              <a:t>2017/8/29</a:t>
+              <a:t>2017/8/30</a:t>
             </a:fld>
             <a:endParaRPr kumimoji="1" lang="zh-CN" altLang="en-US"/>
           </a:p>
@@ -1357,7 +1366,7 @@
           <a:p>
             <a:fld id="{C8F0BE69-45AE-364B-A3A6-FED923136841}" type="datetimeFigureOut">
               <a:rPr kumimoji="1" lang="zh-CN" altLang="en-US" smtClean="0"/>
-              <a:t>2017/8/29</a:t>
+              <a:t>2017/8/30</a:t>
             </a:fld>
             <a:endParaRPr kumimoji="1" lang="zh-CN" altLang="en-US"/>
           </a:p>
@@ -1589,7 +1598,7 @@
           <a:p>
             <a:fld id="{C8F0BE69-45AE-364B-A3A6-FED923136841}" type="datetimeFigureOut">
               <a:rPr kumimoji="1" lang="zh-CN" altLang="en-US" smtClean="0"/>
-              <a:t>2017/8/29</a:t>
+              <a:t>2017/8/30</a:t>
             </a:fld>
             <a:endParaRPr kumimoji="1" lang="zh-CN" altLang="en-US"/>
           </a:p>
@@ -1956,7 +1965,7 @@
           <a:p>
             <a:fld id="{C8F0BE69-45AE-364B-A3A6-FED923136841}" type="datetimeFigureOut">
               <a:rPr kumimoji="1" lang="zh-CN" altLang="en-US" smtClean="0"/>
-              <a:t>2017/8/29</a:t>
+              <a:t>2017/8/30</a:t>
             </a:fld>
             <a:endParaRPr kumimoji="1" lang="zh-CN" altLang="en-US"/>
           </a:p>
@@ -2074,7 +2083,7 @@
           <a:p>
             <a:fld id="{C8F0BE69-45AE-364B-A3A6-FED923136841}" type="datetimeFigureOut">
               <a:rPr kumimoji="1" lang="zh-CN" altLang="en-US" smtClean="0"/>
-              <a:t>2017/8/29</a:t>
+              <a:t>2017/8/30</a:t>
             </a:fld>
             <a:endParaRPr kumimoji="1" lang="zh-CN" altLang="en-US"/>
           </a:p>
@@ -2169,7 +2178,7 @@
           <a:p>
             <a:fld id="{C8F0BE69-45AE-364B-A3A6-FED923136841}" type="datetimeFigureOut">
               <a:rPr kumimoji="1" lang="zh-CN" altLang="en-US" smtClean="0"/>
-              <a:t>2017/8/29</a:t>
+              <a:t>2017/8/30</a:t>
             </a:fld>
             <a:endParaRPr kumimoji="1" lang="zh-CN" altLang="en-US"/>
           </a:p>
@@ -2446,7 +2455,7 @@
           <a:p>
             <a:fld id="{C8F0BE69-45AE-364B-A3A6-FED923136841}" type="datetimeFigureOut">
               <a:rPr kumimoji="1" lang="zh-CN" altLang="en-US" smtClean="0"/>
-              <a:t>2017/8/29</a:t>
+              <a:t>2017/8/30</a:t>
             </a:fld>
             <a:endParaRPr kumimoji="1" lang="zh-CN" altLang="en-US"/>
           </a:p>
@@ -2699,7 +2708,7 @@
           <a:p>
             <a:fld id="{C8F0BE69-45AE-364B-A3A6-FED923136841}" type="datetimeFigureOut">
               <a:rPr kumimoji="1" lang="zh-CN" altLang="en-US" smtClean="0"/>
-              <a:t>2017/8/29</a:t>
+              <a:t>2017/8/30</a:t>
             </a:fld>
             <a:endParaRPr kumimoji="1" lang="zh-CN" altLang="en-US"/>
           </a:p>
@@ -2912,7 +2921,7 @@
           <a:p>
             <a:fld id="{C8F0BE69-45AE-364B-A3A6-FED923136841}" type="datetimeFigureOut">
               <a:rPr kumimoji="1" lang="zh-CN" altLang="en-US" smtClean="0"/>
-              <a:t>2017/8/29</a:t>
+              <a:t>2017/8/30</a:t>
             </a:fld>
             <a:endParaRPr kumimoji="1" lang="zh-CN" altLang="en-US"/>
           </a:p>
@@ -3617,6 +3626,1775 @@
     <p:extLst>
       <p:ext uri="{BB962C8B-B14F-4D97-AF65-F5344CB8AC3E}">
         <p14:creationId xmlns:p14="http://schemas.microsoft.com/office/powerpoint/2010/main" val="1001825553"/>
+      </p:ext>
+    </p:extLst>
+  </p:cSld>
+  <p:clrMapOvr>
+    <a:masterClrMapping/>
+  </p:clrMapOvr>
+</p:sld>
+</file>
+
+<file path=ppt/slides/slide2.xml><?xml version="1.0" encoding="utf-8"?>
+<p:sld xmlns:a="http://schemas.openxmlformats.org/drawingml/2006/main" xmlns:r="http://schemas.openxmlformats.org/officeDocument/2006/relationships" xmlns:p="http://schemas.openxmlformats.org/presentationml/2006/main">
+  <p:cSld>
+    <p:spTree>
+      <p:nvGrpSpPr>
+        <p:cNvPr id="1" name=""/>
+        <p:cNvGrpSpPr/>
+        <p:nvPr/>
+      </p:nvGrpSpPr>
+      <p:grpSpPr>
+        <a:xfrm>
+          <a:off x="0" y="0"/>
+          <a:ext cx="0" cy="0"/>
+          <a:chOff x="0" y="0"/>
+          <a:chExt cx="0" cy="0"/>
+        </a:xfrm>
+      </p:grpSpPr>
+      <p:sp>
+        <p:nvSpPr>
+          <p:cNvPr id="4" name="矩形 3"/>
+          <p:cNvSpPr/>
+          <p:nvPr/>
+        </p:nvSpPr>
+        <p:spPr>
+          <a:xfrm>
+            <a:off x="4584700" y="3517900"/>
+            <a:ext cx="2628900" cy="1739900"/>
+          </a:xfrm>
+          <a:prstGeom prst="rect">
+            <a:avLst/>
+          </a:prstGeom>
+          <a:solidFill>
+            <a:schemeClr val="accent3">
+              <a:lumMod val="60000"/>
+              <a:lumOff val="40000"/>
+            </a:schemeClr>
+          </a:solidFill>
+        </p:spPr>
+        <p:style>
+          <a:lnRef idx="2">
+            <a:schemeClr val="accent1">
+              <a:shade val="50000"/>
+            </a:schemeClr>
+          </a:lnRef>
+          <a:fillRef idx="1">
+            <a:schemeClr val="accent1"/>
+          </a:fillRef>
+          <a:effectRef idx="0">
+            <a:schemeClr val="accent1"/>
+          </a:effectRef>
+          <a:fontRef idx="minor">
+            <a:schemeClr val="lt1"/>
+          </a:fontRef>
+        </p:style>
+        <p:txBody>
+          <a:bodyPr rtlCol="0" anchor="ctr"/>
+          <a:lstStyle/>
+          <a:p>
+            <a:pPr algn="ctr"/>
+            <a:endParaRPr kumimoji="1" lang="zh-CN" altLang="en-US"/>
+          </a:p>
+        </p:txBody>
+      </p:sp>
+      <p:cxnSp>
+        <p:nvCxnSpPr>
+          <p:cNvPr id="6" name="直线连接符 5"/>
+          <p:cNvCxnSpPr/>
+          <p:nvPr/>
+        </p:nvCxnSpPr>
+        <p:spPr>
+          <a:xfrm>
+            <a:off x="3670299" y="2429346"/>
+            <a:ext cx="914401" cy="1088554"/>
+          </a:xfrm>
+          <a:prstGeom prst="line">
+            <a:avLst/>
+          </a:prstGeom>
+        </p:spPr>
+        <p:style>
+          <a:lnRef idx="2">
+            <a:schemeClr val="dk1"/>
+          </a:lnRef>
+          <a:fillRef idx="0">
+            <a:schemeClr val="dk1"/>
+          </a:fillRef>
+          <a:effectRef idx="1">
+            <a:schemeClr val="dk1"/>
+          </a:effectRef>
+          <a:fontRef idx="minor">
+            <a:schemeClr val="tx1"/>
+          </a:fontRef>
+        </p:style>
+      </p:cxnSp>
+      <p:sp>
+        <p:nvSpPr>
+          <p:cNvPr id="8" name="椭圆 7"/>
+          <p:cNvSpPr/>
+          <p:nvPr/>
+        </p:nvSpPr>
+        <p:spPr>
+          <a:xfrm>
+            <a:off x="3550680" y="2311400"/>
+            <a:ext cx="543535" cy="571499"/>
+          </a:xfrm>
+          <a:prstGeom prst="ellipse">
+            <a:avLst/>
+          </a:prstGeom>
+          <a:solidFill>
+            <a:srgbClr val="F5DAE3"/>
+          </a:solidFill>
+        </p:spPr>
+        <p:style>
+          <a:lnRef idx="2">
+            <a:schemeClr val="accent1">
+              <a:shade val="50000"/>
+            </a:schemeClr>
+          </a:lnRef>
+          <a:fillRef idx="1">
+            <a:schemeClr val="accent1"/>
+          </a:fillRef>
+          <a:effectRef idx="0">
+            <a:schemeClr val="accent1"/>
+          </a:effectRef>
+          <a:fontRef idx="minor">
+            <a:schemeClr val="lt1"/>
+          </a:fontRef>
+        </p:style>
+        <p:txBody>
+          <a:bodyPr rtlCol="0" anchor="ctr"/>
+          <a:lstStyle/>
+          <a:p>
+            <a:pPr algn="ctr"/>
+            <a:endParaRPr kumimoji="1" lang="zh-CN" altLang="en-US"/>
+          </a:p>
+        </p:txBody>
+      </p:sp>
+      <p:cxnSp>
+        <p:nvCxnSpPr>
+          <p:cNvPr id="11" name="直线连接符 10"/>
+          <p:cNvCxnSpPr/>
+          <p:nvPr/>
+        </p:nvCxnSpPr>
+        <p:spPr>
+          <a:xfrm>
+            <a:off x="4392739" y="1676400"/>
+            <a:ext cx="762252" cy="1841500"/>
+          </a:xfrm>
+          <a:prstGeom prst="line">
+            <a:avLst/>
+          </a:prstGeom>
+        </p:spPr>
+        <p:style>
+          <a:lnRef idx="2">
+            <a:schemeClr val="dk1"/>
+          </a:lnRef>
+          <a:fillRef idx="0">
+            <a:schemeClr val="dk1"/>
+          </a:fillRef>
+          <a:effectRef idx="1">
+            <a:schemeClr val="dk1"/>
+          </a:effectRef>
+          <a:fontRef idx="minor">
+            <a:schemeClr val="tx1"/>
+          </a:fontRef>
+        </p:style>
+      </p:cxnSp>
+      <p:sp>
+        <p:nvSpPr>
+          <p:cNvPr id="12" name="椭圆 11"/>
+          <p:cNvSpPr/>
+          <p:nvPr/>
+        </p:nvSpPr>
+        <p:spPr>
+          <a:xfrm rot="847210">
+            <a:off x="3435299" y="798682"/>
+            <a:ext cx="1419827" cy="1419827"/>
+          </a:xfrm>
+          <a:prstGeom prst="ellipse">
+            <a:avLst/>
+          </a:prstGeom>
+          <a:solidFill>
+            <a:srgbClr val="FFC000"/>
+          </a:solidFill>
+        </p:spPr>
+        <p:style>
+          <a:lnRef idx="2">
+            <a:schemeClr val="accent1">
+              <a:shade val="50000"/>
+            </a:schemeClr>
+          </a:lnRef>
+          <a:fillRef idx="1">
+            <a:schemeClr val="accent1"/>
+          </a:fillRef>
+          <a:effectRef idx="0">
+            <a:schemeClr val="accent1"/>
+          </a:effectRef>
+          <a:fontRef idx="minor">
+            <a:schemeClr val="lt1"/>
+          </a:fontRef>
+        </p:style>
+        <p:txBody>
+          <a:bodyPr rtlCol="0" anchor="ctr"/>
+          <a:lstStyle/>
+          <a:p>
+            <a:pPr algn="ctr"/>
+            <a:endParaRPr kumimoji="1" lang="zh-CN" altLang="en-US"/>
+          </a:p>
+        </p:txBody>
+      </p:sp>
+      <p:cxnSp>
+        <p:nvCxnSpPr>
+          <p:cNvPr id="17" name="直线连接符 16"/>
+          <p:cNvCxnSpPr/>
+          <p:nvPr/>
+        </p:nvCxnSpPr>
+        <p:spPr>
+          <a:xfrm>
+            <a:off x="5253775" y="1070094"/>
+            <a:ext cx="351575" cy="2447806"/>
+          </a:xfrm>
+          <a:prstGeom prst="line">
+            <a:avLst/>
+          </a:prstGeom>
+        </p:spPr>
+        <p:style>
+          <a:lnRef idx="2">
+            <a:schemeClr val="dk1"/>
+          </a:lnRef>
+          <a:fillRef idx="0">
+            <a:schemeClr val="dk1"/>
+          </a:fillRef>
+          <a:effectRef idx="1">
+            <a:schemeClr val="dk1"/>
+          </a:effectRef>
+          <a:fontRef idx="minor">
+            <a:schemeClr val="tx1"/>
+          </a:fontRef>
+        </p:style>
+      </p:cxnSp>
+      <p:sp>
+        <p:nvSpPr>
+          <p:cNvPr id="18" name="椭圆 17"/>
+          <p:cNvSpPr/>
+          <p:nvPr/>
+        </p:nvSpPr>
+        <p:spPr>
+          <a:xfrm rot="847210">
+            <a:off x="4833681" y="685831"/>
+            <a:ext cx="834266" cy="834266"/>
+          </a:xfrm>
+          <a:prstGeom prst="ellipse">
+            <a:avLst/>
+          </a:prstGeom>
+          <a:solidFill>
+            <a:schemeClr val="accent1">
+              <a:lumMod val="40000"/>
+              <a:lumOff val="60000"/>
+            </a:schemeClr>
+          </a:solidFill>
+        </p:spPr>
+        <p:style>
+          <a:lnRef idx="2">
+            <a:schemeClr val="accent1">
+              <a:shade val="50000"/>
+            </a:schemeClr>
+          </a:lnRef>
+          <a:fillRef idx="1">
+            <a:schemeClr val="accent1"/>
+          </a:fillRef>
+          <a:effectRef idx="0">
+            <a:schemeClr val="accent1"/>
+          </a:effectRef>
+          <a:fontRef idx="minor">
+            <a:schemeClr val="lt1"/>
+          </a:fontRef>
+        </p:style>
+        <p:txBody>
+          <a:bodyPr rtlCol="0" anchor="ctr"/>
+          <a:lstStyle/>
+          <a:p>
+            <a:pPr algn="ctr"/>
+            <a:endParaRPr kumimoji="1" lang="zh-CN" altLang="en-US"/>
+          </a:p>
+        </p:txBody>
+      </p:sp>
+      <p:cxnSp>
+        <p:nvCxnSpPr>
+          <p:cNvPr id="29" name="直线连接符 28"/>
+          <p:cNvCxnSpPr/>
+          <p:nvPr/>
+        </p:nvCxnSpPr>
+        <p:spPr>
+          <a:xfrm flipH="1">
+            <a:off x="7213600" y="2429346"/>
+            <a:ext cx="684114" cy="1088554"/>
+          </a:xfrm>
+          <a:prstGeom prst="line">
+            <a:avLst/>
+          </a:prstGeom>
+        </p:spPr>
+        <p:style>
+          <a:lnRef idx="2">
+            <a:schemeClr val="dk1"/>
+          </a:lnRef>
+          <a:fillRef idx="0">
+            <a:schemeClr val="dk1"/>
+          </a:fillRef>
+          <a:effectRef idx="1">
+            <a:schemeClr val="dk1"/>
+          </a:effectRef>
+          <a:fontRef idx="minor">
+            <a:schemeClr val="tx1"/>
+          </a:fontRef>
+        </p:style>
+      </p:cxnSp>
+      <p:sp>
+        <p:nvSpPr>
+          <p:cNvPr id="30" name="椭圆 29"/>
+          <p:cNvSpPr/>
+          <p:nvPr/>
+        </p:nvSpPr>
+        <p:spPr>
+          <a:xfrm>
+            <a:off x="7676337" y="2321391"/>
+            <a:ext cx="556312" cy="556312"/>
+          </a:xfrm>
+          <a:prstGeom prst="ellipse">
+            <a:avLst/>
+          </a:prstGeom>
+          <a:solidFill>
+            <a:schemeClr val="accent6">
+              <a:lumMod val="20000"/>
+              <a:lumOff val="80000"/>
+            </a:schemeClr>
+          </a:solidFill>
+        </p:spPr>
+        <p:style>
+          <a:lnRef idx="2">
+            <a:schemeClr val="accent1">
+              <a:shade val="50000"/>
+            </a:schemeClr>
+          </a:lnRef>
+          <a:fillRef idx="1">
+            <a:schemeClr val="accent1"/>
+          </a:fillRef>
+          <a:effectRef idx="0">
+            <a:schemeClr val="accent1"/>
+          </a:effectRef>
+          <a:fontRef idx="minor">
+            <a:schemeClr val="lt1"/>
+          </a:fontRef>
+        </p:style>
+        <p:txBody>
+          <a:bodyPr rtlCol="0" anchor="ctr"/>
+          <a:lstStyle/>
+          <a:p>
+            <a:pPr algn="ctr"/>
+            <a:endParaRPr kumimoji="1" lang="zh-CN" altLang="en-US"/>
+          </a:p>
+        </p:txBody>
+      </p:sp>
+      <p:cxnSp>
+        <p:nvCxnSpPr>
+          <p:cNvPr id="31" name="直线连接符 30"/>
+          <p:cNvCxnSpPr/>
+          <p:nvPr/>
+        </p:nvCxnSpPr>
+        <p:spPr>
+          <a:xfrm flipH="1">
+            <a:off x="6493143" y="1676400"/>
+            <a:ext cx="740893" cy="1841500"/>
+          </a:xfrm>
+          <a:prstGeom prst="line">
+            <a:avLst/>
+          </a:prstGeom>
+        </p:spPr>
+        <p:style>
+          <a:lnRef idx="2">
+            <a:schemeClr val="dk1"/>
+          </a:lnRef>
+          <a:fillRef idx="0">
+            <a:schemeClr val="dk1"/>
+          </a:fillRef>
+          <a:effectRef idx="1">
+            <a:schemeClr val="dk1"/>
+          </a:effectRef>
+          <a:fontRef idx="minor">
+            <a:schemeClr val="tx1"/>
+          </a:fontRef>
+        </p:style>
+      </p:cxnSp>
+      <p:sp>
+        <p:nvSpPr>
+          <p:cNvPr id="32" name="椭圆 31"/>
+          <p:cNvSpPr/>
+          <p:nvPr/>
+        </p:nvSpPr>
+        <p:spPr>
+          <a:xfrm rot="847210">
+            <a:off x="6904154" y="1300242"/>
+            <a:ext cx="764444" cy="764444"/>
+          </a:xfrm>
+          <a:prstGeom prst="ellipse">
+            <a:avLst/>
+          </a:prstGeom>
+          <a:solidFill>
+            <a:schemeClr val="accent4">
+              <a:lumMod val="20000"/>
+              <a:lumOff val="80000"/>
+            </a:schemeClr>
+          </a:solidFill>
+        </p:spPr>
+        <p:style>
+          <a:lnRef idx="2">
+            <a:schemeClr val="accent1">
+              <a:shade val="50000"/>
+            </a:schemeClr>
+          </a:lnRef>
+          <a:fillRef idx="1">
+            <a:schemeClr val="accent1"/>
+          </a:fillRef>
+          <a:effectRef idx="0">
+            <a:schemeClr val="accent1"/>
+          </a:effectRef>
+          <a:fontRef idx="minor">
+            <a:schemeClr val="lt1"/>
+          </a:fontRef>
+        </p:style>
+        <p:txBody>
+          <a:bodyPr rtlCol="0" anchor="ctr"/>
+          <a:lstStyle/>
+          <a:p>
+            <a:pPr algn="ctr"/>
+            <a:endParaRPr kumimoji="1" lang="zh-CN" altLang="en-US"/>
+          </a:p>
+        </p:txBody>
+      </p:sp>
+      <p:cxnSp>
+        <p:nvCxnSpPr>
+          <p:cNvPr id="33" name="直线连接符 32"/>
+          <p:cNvCxnSpPr/>
+          <p:nvPr/>
+        </p:nvCxnSpPr>
+        <p:spPr>
+          <a:xfrm flipH="1">
+            <a:off x="6078798" y="1070094"/>
+            <a:ext cx="135156" cy="2447806"/>
+          </a:xfrm>
+          <a:prstGeom prst="line">
+            <a:avLst/>
+          </a:prstGeom>
+        </p:spPr>
+        <p:style>
+          <a:lnRef idx="2">
+            <a:schemeClr val="dk1"/>
+          </a:lnRef>
+          <a:fillRef idx="0">
+            <a:schemeClr val="dk1"/>
+          </a:fillRef>
+          <a:effectRef idx="1">
+            <a:schemeClr val="dk1"/>
+          </a:effectRef>
+          <a:fontRef idx="minor">
+            <a:schemeClr val="tx1"/>
+          </a:fontRef>
+        </p:style>
+      </p:cxnSp>
+      <p:sp>
+        <p:nvSpPr>
+          <p:cNvPr id="34" name="椭圆 33"/>
+          <p:cNvSpPr/>
+          <p:nvPr/>
+        </p:nvSpPr>
+        <p:spPr>
+          <a:xfrm rot="847210">
+            <a:off x="5751959" y="493567"/>
+            <a:ext cx="1153055" cy="1153055"/>
+          </a:xfrm>
+          <a:prstGeom prst="ellipse">
+            <a:avLst/>
+          </a:prstGeom>
+          <a:solidFill>
+            <a:schemeClr val="accent2">
+              <a:lumMod val="50000"/>
+            </a:schemeClr>
+          </a:solidFill>
+        </p:spPr>
+        <p:style>
+          <a:lnRef idx="2">
+            <a:schemeClr val="accent1">
+              <a:shade val="50000"/>
+            </a:schemeClr>
+          </a:lnRef>
+          <a:fillRef idx="1">
+            <a:schemeClr val="accent1"/>
+          </a:fillRef>
+          <a:effectRef idx="0">
+            <a:schemeClr val="accent1"/>
+          </a:effectRef>
+          <a:fontRef idx="minor">
+            <a:schemeClr val="lt1"/>
+          </a:fontRef>
+        </p:style>
+        <p:txBody>
+          <a:bodyPr rtlCol="0" anchor="ctr"/>
+          <a:lstStyle/>
+          <a:p>
+            <a:pPr algn="ctr"/>
+            <a:endParaRPr kumimoji="1" lang="zh-CN" altLang="en-US"/>
+          </a:p>
+        </p:txBody>
+      </p:sp>
+      <p:cxnSp>
+        <p:nvCxnSpPr>
+          <p:cNvPr id="3" name="直线箭头连接符 2"/>
+          <p:cNvCxnSpPr/>
+          <p:nvPr/>
+        </p:nvCxnSpPr>
+        <p:spPr>
+          <a:xfrm flipH="1" flipV="1">
+            <a:off x="8432801" y="2311570"/>
+            <a:ext cx="972456" cy="5673"/>
+          </a:xfrm>
+          <a:prstGeom prst="straightConnector1">
+            <a:avLst/>
+          </a:prstGeom>
+          <a:ln w="44450">
+            <a:tailEnd type="triangle"/>
+          </a:ln>
+        </p:spPr>
+        <p:style>
+          <a:lnRef idx="3">
+            <a:schemeClr val="accent1"/>
+          </a:lnRef>
+          <a:fillRef idx="0">
+            <a:schemeClr val="accent1"/>
+          </a:fillRef>
+          <a:effectRef idx="2">
+            <a:schemeClr val="accent1"/>
+          </a:effectRef>
+          <a:fontRef idx="minor">
+            <a:schemeClr val="tx1"/>
+          </a:fontRef>
+        </p:style>
+      </p:cxnSp>
+      <p:cxnSp>
+        <p:nvCxnSpPr>
+          <p:cNvPr id="20" name="直线箭头连接符 19"/>
+          <p:cNvCxnSpPr/>
+          <p:nvPr/>
+        </p:nvCxnSpPr>
+        <p:spPr>
+          <a:xfrm flipH="1" flipV="1">
+            <a:off x="8447315" y="4459684"/>
+            <a:ext cx="972456" cy="5673"/>
+          </a:xfrm>
+          <a:prstGeom prst="straightConnector1">
+            <a:avLst/>
+          </a:prstGeom>
+          <a:ln w="44450">
+            <a:tailEnd type="triangle"/>
+          </a:ln>
+        </p:spPr>
+        <p:style>
+          <a:lnRef idx="3">
+            <a:schemeClr val="accent1"/>
+          </a:lnRef>
+          <a:fillRef idx="0">
+            <a:schemeClr val="accent1"/>
+          </a:fillRef>
+          <a:effectRef idx="2">
+            <a:schemeClr val="accent1"/>
+          </a:effectRef>
+          <a:fontRef idx="minor">
+            <a:schemeClr val="tx1"/>
+          </a:fontRef>
+        </p:style>
+      </p:cxnSp>
+      <p:sp>
+        <p:nvSpPr>
+          <p:cNvPr id="10" name="文本框 9"/>
+          <p:cNvSpPr txBox="1"/>
+          <p:nvPr/>
+        </p:nvSpPr>
+        <p:spPr>
+          <a:xfrm>
+            <a:off x="9405257" y="1908583"/>
+            <a:ext cx="2249714" cy="1015663"/>
+          </a:xfrm>
+          <a:prstGeom prst="rect">
+            <a:avLst/>
+          </a:prstGeom>
+          <a:noFill/>
+        </p:spPr>
+        <p:txBody>
+          <a:bodyPr wrap="square" rtlCol="0">
+            <a:spAutoFit/>
+          </a:bodyPr>
+          <a:lstStyle/>
+          <a:p>
+            <a:r>
+              <a:rPr kumimoji="1" lang="zh-CN" altLang="en-US" sz="2000" dirty="0" smtClean="0"/>
+              <a:t>大头针</a:t>
+            </a:r>
+            <a:endParaRPr kumimoji="1" lang="en-US" altLang="zh-CN" sz="2000" dirty="0" smtClean="0"/>
+          </a:p>
+          <a:p>
+            <a:r>
+              <a:rPr kumimoji="1" lang="zh-CN" altLang="en-US" sz="2000" dirty="0" smtClean="0"/>
+              <a:t>每一个表示一种污染物的浓度状况</a:t>
+            </a:r>
+            <a:endParaRPr kumimoji="1" lang="zh-CN" altLang="en-US" sz="2000" dirty="0"/>
+          </a:p>
+        </p:txBody>
+      </p:sp>
+      <p:sp>
+        <p:nvSpPr>
+          <p:cNvPr id="22" name="文本框 21"/>
+          <p:cNvSpPr txBox="1"/>
+          <p:nvPr/>
+        </p:nvSpPr>
+        <p:spPr>
+          <a:xfrm>
+            <a:off x="9419771" y="4275018"/>
+            <a:ext cx="2061029" cy="400110"/>
+          </a:xfrm>
+          <a:prstGeom prst="rect">
+            <a:avLst/>
+          </a:prstGeom>
+          <a:noFill/>
+        </p:spPr>
+        <p:txBody>
+          <a:bodyPr wrap="square" rtlCol="0">
+            <a:spAutoFit/>
+          </a:bodyPr>
+          <a:lstStyle/>
+          <a:p>
+            <a:r>
+              <a:rPr kumimoji="1" lang="zh-CN" altLang="en-US" sz="2000" dirty="0" smtClean="0"/>
+              <a:t>站房</a:t>
+            </a:r>
+            <a:endParaRPr kumimoji="1" lang="zh-CN" altLang="en-US" sz="2000" dirty="0"/>
+          </a:p>
+        </p:txBody>
+      </p:sp>
+    </p:spTree>
+    <p:extLst>
+      <p:ext uri="{BB962C8B-B14F-4D97-AF65-F5344CB8AC3E}">
+        <p14:creationId xmlns:p14="http://schemas.microsoft.com/office/powerpoint/2010/main" val="413606085"/>
+      </p:ext>
+    </p:extLst>
+  </p:cSld>
+  <p:clrMapOvr>
+    <a:masterClrMapping/>
+  </p:clrMapOvr>
+</p:sld>
+</file>
+
+<file path=ppt/slides/slide3.xml><?xml version="1.0" encoding="utf-8"?>
+<p:sld xmlns:a="http://schemas.openxmlformats.org/drawingml/2006/main" xmlns:r="http://schemas.openxmlformats.org/officeDocument/2006/relationships" xmlns:p="http://schemas.openxmlformats.org/presentationml/2006/main">
+  <p:cSld>
+    <p:spTree>
+      <p:nvGrpSpPr>
+        <p:cNvPr id="1" name=""/>
+        <p:cNvGrpSpPr/>
+        <p:nvPr/>
+      </p:nvGrpSpPr>
+      <p:grpSpPr>
+        <a:xfrm>
+          <a:off x="0" y="0"/>
+          <a:ext cx="0" cy="0"/>
+          <a:chOff x="0" y="0"/>
+          <a:chExt cx="0" cy="0"/>
+        </a:xfrm>
+      </p:grpSpPr>
+      <p:pic>
+        <p:nvPicPr>
+          <p:cNvPr id="4" name="图片 3">
+            <a:extLst>
+              <a:ext uri="{FF2B5EF4-FFF2-40B4-BE49-F238E27FC236}">
+                <a16:creationId xmlns="" xmlns:a16="http://schemas.microsoft.com/office/drawing/2014/main" id="{527907A0-EA1C-440F-AD1A-A2DB01FF44EC}"/>
+              </a:ext>
+            </a:extLst>
+          </p:cNvPr>
+          <p:cNvPicPr>
+            <a:picLocks noChangeAspect="1"/>
+          </p:cNvPicPr>
+          <p:nvPr/>
+        </p:nvPicPr>
+        <p:blipFill>
+          <a:blip r:embed="rId2"/>
+          <a:stretch>
+            <a:fillRect/>
+          </a:stretch>
+        </p:blipFill>
+        <p:spPr>
+          <a:xfrm>
+            <a:off x="1826984" y="2029291"/>
+            <a:ext cx="7282096" cy="818213"/>
+          </a:xfrm>
+          <a:prstGeom prst="rect">
+            <a:avLst/>
+          </a:prstGeom>
+        </p:spPr>
+      </p:pic>
+      <p:sp>
+        <p:nvSpPr>
+          <p:cNvPr id="5" name="矩形 4"/>
+          <p:cNvSpPr/>
+          <p:nvPr/>
+        </p:nvSpPr>
+        <p:spPr>
+          <a:xfrm>
+            <a:off x="1982047" y="2133600"/>
+            <a:ext cx="783771" cy="653139"/>
+          </a:xfrm>
+          <a:prstGeom prst="rect">
+            <a:avLst/>
+          </a:prstGeom>
+          <a:noFill/>
+          <a:ln w="22225">
+            <a:solidFill>
+              <a:srgbClr val="FF0000"/>
+            </a:solidFill>
+          </a:ln>
+        </p:spPr>
+        <p:style>
+          <a:lnRef idx="2">
+            <a:schemeClr val="accent6"/>
+          </a:lnRef>
+          <a:fillRef idx="1">
+            <a:schemeClr val="lt1"/>
+          </a:fillRef>
+          <a:effectRef idx="0">
+            <a:schemeClr val="accent6"/>
+          </a:effectRef>
+          <a:fontRef idx="minor">
+            <a:schemeClr val="dk1"/>
+          </a:fontRef>
+        </p:style>
+        <p:txBody>
+          <a:bodyPr rtlCol="0" anchor="ctr"/>
+          <a:lstStyle/>
+          <a:p>
+            <a:pPr algn="ctr"/>
+            <a:endParaRPr kumimoji="1" lang="zh-CN" altLang="en-US"/>
+          </a:p>
+        </p:txBody>
+      </p:sp>
+      <p:sp>
+        <p:nvSpPr>
+          <p:cNvPr id="6" name="文本框 5"/>
+          <p:cNvSpPr txBox="1"/>
+          <p:nvPr/>
+        </p:nvSpPr>
+        <p:spPr>
+          <a:xfrm>
+            <a:off x="2220686" y="2884710"/>
+            <a:ext cx="306494" cy="369332"/>
+          </a:xfrm>
+          <a:prstGeom prst="rect">
+            <a:avLst/>
+          </a:prstGeom>
+          <a:noFill/>
+        </p:spPr>
+        <p:txBody>
+          <a:bodyPr vert="horz" wrap="none" rtlCol="0">
+            <a:spAutoFit/>
+          </a:bodyPr>
+          <a:lstStyle/>
+          <a:p>
+            <a:r>
+              <a:rPr kumimoji="1" lang="en-US" altLang="zh-CN" dirty="0" smtClean="0">
+                <a:solidFill>
+                  <a:srgbClr val="00B0F0"/>
+                </a:solidFill>
+              </a:rPr>
+              <a:t>1</a:t>
+            </a:r>
+            <a:endParaRPr kumimoji="1" lang="zh-CN" altLang="en-US" dirty="0">
+              <a:solidFill>
+                <a:srgbClr val="00B0F0"/>
+              </a:solidFill>
+            </a:endParaRPr>
+          </a:p>
+        </p:txBody>
+      </p:sp>
+      <p:sp>
+        <p:nvSpPr>
+          <p:cNvPr id="8" name="矩形 7"/>
+          <p:cNvSpPr/>
+          <p:nvPr/>
+        </p:nvSpPr>
+        <p:spPr>
+          <a:xfrm>
+            <a:off x="2765818" y="2133600"/>
+            <a:ext cx="750268" cy="653139"/>
+          </a:xfrm>
+          <a:prstGeom prst="rect">
+            <a:avLst/>
+          </a:prstGeom>
+          <a:noFill/>
+          <a:ln w="22225">
+            <a:solidFill>
+              <a:srgbClr val="FF0000"/>
+            </a:solidFill>
+          </a:ln>
+        </p:spPr>
+        <p:style>
+          <a:lnRef idx="2">
+            <a:schemeClr val="accent6"/>
+          </a:lnRef>
+          <a:fillRef idx="1">
+            <a:schemeClr val="lt1"/>
+          </a:fillRef>
+          <a:effectRef idx="0">
+            <a:schemeClr val="accent6"/>
+          </a:effectRef>
+          <a:fontRef idx="minor">
+            <a:schemeClr val="dk1"/>
+          </a:fontRef>
+        </p:style>
+        <p:txBody>
+          <a:bodyPr rtlCol="0" anchor="ctr"/>
+          <a:lstStyle/>
+          <a:p>
+            <a:pPr algn="ctr"/>
+            <a:endParaRPr kumimoji="1" lang="zh-CN" altLang="en-US"/>
+          </a:p>
+        </p:txBody>
+      </p:sp>
+      <p:sp>
+        <p:nvSpPr>
+          <p:cNvPr id="9" name="文本框 8"/>
+          <p:cNvSpPr txBox="1"/>
+          <p:nvPr/>
+        </p:nvSpPr>
+        <p:spPr>
+          <a:xfrm>
+            <a:off x="3037115" y="2884710"/>
+            <a:ext cx="276365" cy="369332"/>
+          </a:xfrm>
+          <a:prstGeom prst="rect">
+            <a:avLst/>
+          </a:prstGeom>
+          <a:noFill/>
+        </p:spPr>
+        <p:txBody>
+          <a:bodyPr vert="horz" wrap="square" rtlCol="0">
+            <a:spAutoFit/>
+          </a:bodyPr>
+          <a:lstStyle/>
+          <a:p>
+            <a:r>
+              <a:rPr kumimoji="1" lang="en-US" altLang="zh-CN" dirty="0" smtClean="0">
+                <a:solidFill>
+                  <a:srgbClr val="00B0F0"/>
+                </a:solidFill>
+              </a:rPr>
+              <a:t>2</a:t>
+            </a:r>
+            <a:endParaRPr kumimoji="1" lang="zh-CN" altLang="en-US" dirty="0">
+              <a:solidFill>
+                <a:srgbClr val="00B0F0"/>
+              </a:solidFill>
+            </a:endParaRPr>
+          </a:p>
+        </p:txBody>
+      </p:sp>
+      <p:sp>
+        <p:nvSpPr>
+          <p:cNvPr id="10" name="矩形 9"/>
+          <p:cNvSpPr/>
+          <p:nvPr/>
+        </p:nvSpPr>
+        <p:spPr>
+          <a:xfrm>
+            <a:off x="3516086" y="2133600"/>
+            <a:ext cx="750268" cy="653139"/>
+          </a:xfrm>
+          <a:prstGeom prst="rect">
+            <a:avLst/>
+          </a:prstGeom>
+          <a:noFill/>
+          <a:ln w="22225">
+            <a:solidFill>
+              <a:srgbClr val="FF0000"/>
+            </a:solidFill>
+          </a:ln>
+        </p:spPr>
+        <p:style>
+          <a:lnRef idx="2">
+            <a:schemeClr val="accent6"/>
+          </a:lnRef>
+          <a:fillRef idx="1">
+            <a:schemeClr val="lt1"/>
+          </a:fillRef>
+          <a:effectRef idx="0">
+            <a:schemeClr val="accent6"/>
+          </a:effectRef>
+          <a:fontRef idx="minor">
+            <a:schemeClr val="dk1"/>
+          </a:fontRef>
+        </p:style>
+        <p:txBody>
+          <a:bodyPr rtlCol="0" anchor="ctr"/>
+          <a:lstStyle/>
+          <a:p>
+            <a:pPr algn="ctr"/>
+            <a:endParaRPr kumimoji="1" lang="zh-CN" altLang="en-US"/>
+          </a:p>
+        </p:txBody>
+      </p:sp>
+      <p:sp>
+        <p:nvSpPr>
+          <p:cNvPr id="11" name="文本框 10"/>
+          <p:cNvSpPr txBox="1"/>
+          <p:nvPr/>
+        </p:nvSpPr>
+        <p:spPr>
+          <a:xfrm>
+            <a:off x="3754725" y="2884710"/>
+            <a:ext cx="276365" cy="369332"/>
+          </a:xfrm>
+          <a:prstGeom prst="rect">
+            <a:avLst/>
+          </a:prstGeom>
+          <a:noFill/>
+        </p:spPr>
+        <p:txBody>
+          <a:bodyPr vert="horz" wrap="square" rtlCol="0">
+            <a:spAutoFit/>
+          </a:bodyPr>
+          <a:lstStyle/>
+          <a:p>
+            <a:r>
+              <a:rPr kumimoji="1" lang="en-US" altLang="zh-CN" dirty="0" smtClean="0">
+                <a:solidFill>
+                  <a:srgbClr val="00B0F0"/>
+                </a:solidFill>
+              </a:rPr>
+              <a:t>3</a:t>
+            </a:r>
+            <a:endParaRPr kumimoji="1" lang="zh-CN" altLang="en-US" dirty="0">
+              <a:solidFill>
+                <a:srgbClr val="00B0F0"/>
+              </a:solidFill>
+            </a:endParaRPr>
+          </a:p>
+        </p:txBody>
+      </p:sp>
+      <p:sp>
+        <p:nvSpPr>
+          <p:cNvPr id="12" name="矩形 11"/>
+          <p:cNvSpPr/>
+          <p:nvPr/>
+        </p:nvSpPr>
+        <p:spPr>
+          <a:xfrm>
+            <a:off x="4266354" y="2133600"/>
+            <a:ext cx="750268" cy="653139"/>
+          </a:xfrm>
+          <a:prstGeom prst="rect">
+            <a:avLst/>
+          </a:prstGeom>
+          <a:noFill/>
+          <a:ln w="22225">
+            <a:solidFill>
+              <a:srgbClr val="FF0000"/>
+            </a:solidFill>
+          </a:ln>
+        </p:spPr>
+        <p:style>
+          <a:lnRef idx="2">
+            <a:schemeClr val="accent6"/>
+          </a:lnRef>
+          <a:fillRef idx="1">
+            <a:schemeClr val="lt1"/>
+          </a:fillRef>
+          <a:effectRef idx="0">
+            <a:schemeClr val="accent6"/>
+          </a:effectRef>
+          <a:fontRef idx="minor">
+            <a:schemeClr val="dk1"/>
+          </a:fontRef>
+        </p:style>
+        <p:txBody>
+          <a:bodyPr rtlCol="0" anchor="ctr"/>
+          <a:lstStyle/>
+          <a:p>
+            <a:pPr algn="ctr"/>
+            <a:endParaRPr kumimoji="1" lang="zh-CN" altLang="en-US"/>
+          </a:p>
+        </p:txBody>
+      </p:sp>
+      <p:sp>
+        <p:nvSpPr>
+          <p:cNvPr id="13" name="文本框 12"/>
+          <p:cNvSpPr txBox="1"/>
+          <p:nvPr/>
+        </p:nvSpPr>
+        <p:spPr>
+          <a:xfrm>
+            <a:off x="4504993" y="2884710"/>
+            <a:ext cx="276365" cy="369332"/>
+          </a:xfrm>
+          <a:prstGeom prst="rect">
+            <a:avLst/>
+          </a:prstGeom>
+          <a:noFill/>
+        </p:spPr>
+        <p:txBody>
+          <a:bodyPr vert="horz" wrap="square" rtlCol="0">
+            <a:spAutoFit/>
+          </a:bodyPr>
+          <a:lstStyle/>
+          <a:p>
+            <a:r>
+              <a:rPr kumimoji="1" lang="en-US" altLang="zh-CN" dirty="0" smtClean="0">
+                <a:solidFill>
+                  <a:srgbClr val="00B0F0"/>
+                </a:solidFill>
+              </a:rPr>
+              <a:t>4</a:t>
+            </a:r>
+            <a:endParaRPr kumimoji="1" lang="zh-CN" altLang="en-US" dirty="0">
+              <a:solidFill>
+                <a:srgbClr val="00B0F0"/>
+              </a:solidFill>
+            </a:endParaRPr>
+          </a:p>
+        </p:txBody>
+      </p:sp>
+      <p:sp>
+        <p:nvSpPr>
+          <p:cNvPr id="14" name="矩形 13"/>
+          <p:cNvSpPr/>
+          <p:nvPr/>
+        </p:nvSpPr>
+        <p:spPr>
+          <a:xfrm>
+            <a:off x="5019160" y="2133601"/>
+            <a:ext cx="783771" cy="653139"/>
+          </a:xfrm>
+          <a:prstGeom prst="rect">
+            <a:avLst/>
+          </a:prstGeom>
+          <a:noFill/>
+          <a:ln w="22225">
+            <a:solidFill>
+              <a:srgbClr val="FF0000"/>
+            </a:solidFill>
+          </a:ln>
+        </p:spPr>
+        <p:style>
+          <a:lnRef idx="2">
+            <a:schemeClr val="accent6"/>
+          </a:lnRef>
+          <a:fillRef idx="1">
+            <a:schemeClr val="lt1"/>
+          </a:fillRef>
+          <a:effectRef idx="0">
+            <a:schemeClr val="accent6"/>
+          </a:effectRef>
+          <a:fontRef idx="minor">
+            <a:schemeClr val="dk1"/>
+          </a:fontRef>
+        </p:style>
+        <p:txBody>
+          <a:bodyPr rtlCol="0" anchor="ctr"/>
+          <a:lstStyle/>
+          <a:p>
+            <a:pPr algn="ctr"/>
+            <a:endParaRPr kumimoji="1" lang="zh-CN" altLang="en-US"/>
+          </a:p>
+        </p:txBody>
+      </p:sp>
+      <p:sp>
+        <p:nvSpPr>
+          <p:cNvPr id="15" name="文本框 14"/>
+          <p:cNvSpPr txBox="1"/>
+          <p:nvPr/>
+        </p:nvSpPr>
+        <p:spPr>
+          <a:xfrm>
+            <a:off x="5279571" y="2884710"/>
+            <a:ext cx="306494" cy="369332"/>
+          </a:xfrm>
+          <a:prstGeom prst="rect">
+            <a:avLst/>
+          </a:prstGeom>
+          <a:noFill/>
+        </p:spPr>
+        <p:txBody>
+          <a:bodyPr vert="horz" wrap="none" rtlCol="0">
+            <a:spAutoFit/>
+          </a:bodyPr>
+          <a:lstStyle/>
+          <a:p>
+            <a:r>
+              <a:rPr kumimoji="1" lang="en-US" altLang="zh-CN" dirty="0" smtClean="0">
+                <a:solidFill>
+                  <a:srgbClr val="00B0F0"/>
+                </a:solidFill>
+              </a:rPr>
+              <a:t>5</a:t>
+            </a:r>
+            <a:endParaRPr kumimoji="1" lang="zh-CN" altLang="en-US" dirty="0">
+              <a:solidFill>
+                <a:srgbClr val="00B0F0"/>
+              </a:solidFill>
+            </a:endParaRPr>
+          </a:p>
+        </p:txBody>
+      </p:sp>
+      <p:sp>
+        <p:nvSpPr>
+          <p:cNvPr id="16" name="矩形 15"/>
+          <p:cNvSpPr/>
+          <p:nvPr/>
+        </p:nvSpPr>
+        <p:spPr>
+          <a:xfrm>
+            <a:off x="5802930" y="2133601"/>
+            <a:ext cx="905331" cy="653139"/>
+          </a:xfrm>
+          <a:prstGeom prst="rect">
+            <a:avLst/>
+          </a:prstGeom>
+          <a:noFill/>
+          <a:ln w="22225">
+            <a:solidFill>
+              <a:srgbClr val="FF0000"/>
+            </a:solidFill>
+          </a:ln>
+        </p:spPr>
+        <p:style>
+          <a:lnRef idx="2">
+            <a:schemeClr val="accent6"/>
+          </a:lnRef>
+          <a:fillRef idx="1">
+            <a:schemeClr val="lt1"/>
+          </a:fillRef>
+          <a:effectRef idx="0">
+            <a:schemeClr val="accent6"/>
+          </a:effectRef>
+          <a:fontRef idx="minor">
+            <a:schemeClr val="dk1"/>
+          </a:fontRef>
+        </p:style>
+        <p:txBody>
+          <a:bodyPr rtlCol="0" anchor="ctr"/>
+          <a:lstStyle/>
+          <a:p>
+            <a:pPr algn="ctr"/>
+            <a:endParaRPr kumimoji="1" lang="zh-CN" altLang="en-US"/>
+          </a:p>
+        </p:txBody>
+      </p:sp>
+      <p:sp>
+        <p:nvSpPr>
+          <p:cNvPr id="17" name="文本框 16"/>
+          <p:cNvSpPr txBox="1"/>
+          <p:nvPr/>
+        </p:nvSpPr>
+        <p:spPr>
+          <a:xfrm>
+            <a:off x="6128657" y="2884710"/>
+            <a:ext cx="276365" cy="369332"/>
+          </a:xfrm>
+          <a:prstGeom prst="rect">
+            <a:avLst/>
+          </a:prstGeom>
+          <a:noFill/>
+        </p:spPr>
+        <p:txBody>
+          <a:bodyPr vert="horz" wrap="square" rtlCol="0">
+            <a:spAutoFit/>
+          </a:bodyPr>
+          <a:lstStyle/>
+          <a:p>
+            <a:r>
+              <a:rPr kumimoji="1" lang="en-US" altLang="zh-CN" dirty="0" smtClean="0">
+                <a:solidFill>
+                  <a:srgbClr val="00B0F0"/>
+                </a:solidFill>
+              </a:rPr>
+              <a:t>6</a:t>
+            </a:r>
+            <a:endParaRPr kumimoji="1" lang="zh-CN" altLang="en-US" dirty="0">
+              <a:solidFill>
+                <a:srgbClr val="00B0F0"/>
+              </a:solidFill>
+            </a:endParaRPr>
+          </a:p>
+        </p:txBody>
+      </p:sp>
+      <p:sp>
+        <p:nvSpPr>
+          <p:cNvPr id="18" name="矩形 17"/>
+          <p:cNvSpPr/>
+          <p:nvPr/>
+        </p:nvSpPr>
+        <p:spPr>
+          <a:xfrm>
+            <a:off x="6708260" y="2133601"/>
+            <a:ext cx="750269" cy="653139"/>
+          </a:xfrm>
+          <a:prstGeom prst="rect">
+            <a:avLst/>
+          </a:prstGeom>
+          <a:noFill/>
+          <a:ln w="22225">
+            <a:solidFill>
+              <a:srgbClr val="FF0000"/>
+            </a:solidFill>
+          </a:ln>
+        </p:spPr>
+        <p:style>
+          <a:lnRef idx="2">
+            <a:schemeClr val="accent6"/>
+          </a:lnRef>
+          <a:fillRef idx="1">
+            <a:schemeClr val="lt1"/>
+          </a:fillRef>
+          <a:effectRef idx="0">
+            <a:schemeClr val="accent6"/>
+          </a:effectRef>
+          <a:fontRef idx="minor">
+            <a:schemeClr val="dk1"/>
+          </a:fontRef>
+        </p:style>
+        <p:txBody>
+          <a:bodyPr rtlCol="0" anchor="ctr"/>
+          <a:lstStyle/>
+          <a:p>
+            <a:pPr algn="ctr"/>
+            <a:endParaRPr kumimoji="1" lang="zh-CN" altLang="en-US"/>
+          </a:p>
+        </p:txBody>
+      </p:sp>
+      <p:sp>
+        <p:nvSpPr>
+          <p:cNvPr id="19" name="文本框 18"/>
+          <p:cNvSpPr txBox="1"/>
+          <p:nvPr/>
+        </p:nvSpPr>
+        <p:spPr>
+          <a:xfrm>
+            <a:off x="6966009" y="2884710"/>
+            <a:ext cx="276365" cy="369332"/>
+          </a:xfrm>
+          <a:prstGeom prst="rect">
+            <a:avLst/>
+          </a:prstGeom>
+          <a:noFill/>
+        </p:spPr>
+        <p:txBody>
+          <a:bodyPr vert="horz" wrap="square" rtlCol="0">
+            <a:spAutoFit/>
+          </a:bodyPr>
+          <a:lstStyle/>
+          <a:p>
+            <a:r>
+              <a:rPr kumimoji="1" lang="en-US" altLang="zh-CN" dirty="0" smtClean="0">
+                <a:solidFill>
+                  <a:srgbClr val="00B0F0"/>
+                </a:solidFill>
+              </a:rPr>
+              <a:t>7</a:t>
+            </a:r>
+            <a:endParaRPr kumimoji="1" lang="zh-CN" altLang="en-US" dirty="0">
+              <a:solidFill>
+                <a:srgbClr val="00B0F0"/>
+              </a:solidFill>
+            </a:endParaRPr>
+          </a:p>
+        </p:txBody>
+      </p:sp>
+      <p:sp>
+        <p:nvSpPr>
+          <p:cNvPr id="20" name="矩形 19"/>
+          <p:cNvSpPr/>
+          <p:nvPr/>
+        </p:nvSpPr>
+        <p:spPr>
+          <a:xfrm>
+            <a:off x="7458528" y="2133601"/>
+            <a:ext cx="847271" cy="653139"/>
+          </a:xfrm>
+          <a:prstGeom prst="rect">
+            <a:avLst/>
+          </a:prstGeom>
+          <a:noFill/>
+          <a:ln w="22225">
+            <a:solidFill>
+              <a:srgbClr val="FF0000"/>
+            </a:solidFill>
+          </a:ln>
+        </p:spPr>
+        <p:style>
+          <a:lnRef idx="2">
+            <a:schemeClr val="accent6"/>
+          </a:lnRef>
+          <a:fillRef idx="1">
+            <a:schemeClr val="lt1"/>
+          </a:fillRef>
+          <a:effectRef idx="0">
+            <a:schemeClr val="accent6"/>
+          </a:effectRef>
+          <a:fontRef idx="minor">
+            <a:schemeClr val="dk1"/>
+          </a:fontRef>
+        </p:style>
+        <p:txBody>
+          <a:bodyPr rtlCol="0" anchor="ctr"/>
+          <a:lstStyle/>
+          <a:p>
+            <a:pPr algn="ctr"/>
+            <a:endParaRPr kumimoji="1" lang="zh-CN" altLang="en-US"/>
+          </a:p>
+        </p:txBody>
+      </p:sp>
+      <p:sp>
+        <p:nvSpPr>
+          <p:cNvPr id="21" name="文本框 20"/>
+          <p:cNvSpPr txBox="1"/>
+          <p:nvPr/>
+        </p:nvSpPr>
+        <p:spPr>
+          <a:xfrm>
+            <a:off x="8598020" y="2884710"/>
+            <a:ext cx="276365" cy="369332"/>
+          </a:xfrm>
+          <a:prstGeom prst="rect">
+            <a:avLst/>
+          </a:prstGeom>
+          <a:noFill/>
+        </p:spPr>
+        <p:txBody>
+          <a:bodyPr vert="horz" wrap="square" rtlCol="0">
+            <a:spAutoFit/>
+          </a:bodyPr>
+          <a:lstStyle/>
+          <a:p>
+            <a:r>
+              <a:rPr kumimoji="1" lang="en-US" altLang="zh-CN" dirty="0" smtClean="0">
+                <a:solidFill>
+                  <a:srgbClr val="00B0F0"/>
+                </a:solidFill>
+              </a:rPr>
+              <a:t>9</a:t>
+            </a:r>
+            <a:endParaRPr kumimoji="1" lang="zh-CN" altLang="en-US" dirty="0">
+              <a:solidFill>
+                <a:srgbClr val="00B0F0"/>
+              </a:solidFill>
+            </a:endParaRPr>
+          </a:p>
+        </p:txBody>
+      </p:sp>
+      <p:sp>
+        <p:nvSpPr>
+          <p:cNvPr id="22" name="矩形 21"/>
+          <p:cNvSpPr/>
+          <p:nvPr/>
+        </p:nvSpPr>
+        <p:spPr>
+          <a:xfrm>
+            <a:off x="8305799" y="2133596"/>
+            <a:ext cx="803281" cy="653139"/>
+          </a:xfrm>
+          <a:prstGeom prst="rect">
+            <a:avLst/>
+          </a:prstGeom>
+          <a:noFill/>
+          <a:ln w="22225">
+            <a:solidFill>
+              <a:srgbClr val="FF0000"/>
+            </a:solidFill>
+          </a:ln>
+        </p:spPr>
+        <p:style>
+          <a:lnRef idx="2">
+            <a:schemeClr val="accent6"/>
+          </a:lnRef>
+          <a:fillRef idx="1">
+            <a:schemeClr val="lt1"/>
+          </a:fillRef>
+          <a:effectRef idx="0">
+            <a:schemeClr val="accent6"/>
+          </a:effectRef>
+          <a:fontRef idx="minor">
+            <a:schemeClr val="dk1"/>
+          </a:fontRef>
+        </p:style>
+        <p:txBody>
+          <a:bodyPr rtlCol="0" anchor="ctr"/>
+          <a:lstStyle/>
+          <a:p>
+            <a:pPr algn="ctr"/>
+            <a:endParaRPr kumimoji="1" lang="zh-CN" altLang="en-US"/>
+          </a:p>
+        </p:txBody>
+      </p:sp>
+      <p:sp>
+        <p:nvSpPr>
+          <p:cNvPr id="23" name="文本框 22"/>
+          <p:cNvSpPr txBox="1"/>
+          <p:nvPr/>
+        </p:nvSpPr>
+        <p:spPr>
+          <a:xfrm>
+            <a:off x="7765752" y="2884710"/>
+            <a:ext cx="276365" cy="369332"/>
+          </a:xfrm>
+          <a:prstGeom prst="rect">
+            <a:avLst/>
+          </a:prstGeom>
+          <a:noFill/>
+        </p:spPr>
+        <p:txBody>
+          <a:bodyPr vert="horz" wrap="square" rtlCol="0">
+            <a:spAutoFit/>
+          </a:bodyPr>
+          <a:lstStyle/>
+          <a:p>
+            <a:r>
+              <a:rPr kumimoji="1" lang="en-US" altLang="zh-CN" dirty="0" smtClean="0">
+                <a:solidFill>
+                  <a:srgbClr val="00B0F0"/>
+                </a:solidFill>
+              </a:rPr>
+              <a:t>8</a:t>
+            </a:r>
+            <a:endParaRPr kumimoji="1" lang="zh-CN" altLang="en-US" dirty="0">
+              <a:solidFill>
+                <a:srgbClr val="00B0F0"/>
+              </a:solidFill>
+            </a:endParaRPr>
+          </a:p>
+        </p:txBody>
+      </p:sp>
+    </p:spTree>
+    <p:extLst>
+      <p:ext uri="{BB962C8B-B14F-4D97-AF65-F5344CB8AC3E}">
+        <p14:creationId xmlns:p14="http://schemas.microsoft.com/office/powerpoint/2010/main" val="651755019"/>
+      </p:ext>
+    </p:extLst>
+  </p:cSld>
+  <p:clrMapOvr>
+    <a:masterClrMapping/>
+  </p:clrMapOvr>
+</p:sld>
+</file>
+
+<file path=ppt/slides/slide4.xml><?xml version="1.0" encoding="utf-8"?>
+<p:sld xmlns:a="http://schemas.openxmlformats.org/drawingml/2006/main" xmlns:r="http://schemas.openxmlformats.org/officeDocument/2006/relationships" xmlns:p="http://schemas.openxmlformats.org/presentationml/2006/main">
+  <p:cSld>
+    <p:spTree>
+      <p:nvGrpSpPr>
+        <p:cNvPr id="1" name=""/>
+        <p:cNvGrpSpPr/>
+        <p:nvPr/>
+      </p:nvGrpSpPr>
+      <p:grpSpPr>
+        <a:xfrm>
+          <a:off x="0" y="0"/>
+          <a:ext cx="0" cy="0"/>
+          <a:chOff x="0" y="0"/>
+          <a:chExt cx="0" cy="0"/>
+        </a:xfrm>
+      </p:grpSpPr>
+      <p:pic>
+        <p:nvPicPr>
+          <p:cNvPr id="4" name="图片 3"/>
+          <p:cNvPicPr/>
+          <p:nvPr/>
+        </p:nvPicPr>
+        <p:blipFill rotWithShape="1">
+          <a:blip r:embed="rId2">
+            <a:extLst>
+              <a:ext uri="{28A0092B-C50C-407E-A947-70E740481C1C}">
+                <a14:useLocalDpi xmlns:a14="http://schemas.microsoft.com/office/drawing/2010/main" val="0"/>
+              </a:ext>
+            </a:extLst>
+          </a:blip>
+          <a:srcRect t="20108"/>
+          <a:stretch/>
+        </p:blipFill>
+        <p:spPr bwMode="auto">
+          <a:xfrm>
+            <a:off x="183197" y="930773"/>
+            <a:ext cx="5729605" cy="2906395"/>
+          </a:xfrm>
+          <a:prstGeom prst="rect">
+            <a:avLst/>
+          </a:prstGeom>
+          <a:noFill/>
+          <a:ln>
+            <a:noFill/>
+          </a:ln>
+          <a:extLst>
+            <a:ext uri="{53640926-AAD7-44D8-BBD7-CCE9431645EC}">
+              <a14:shadowObscured xmlns:a14="http://schemas.microsoft.com/office/drawing/2010/main"/>
+            </a:ext>
+          </a:extLst>
+        </p:spPr>
+      </p:pic>
+      <p:sp>
+        <p:nvSpPr>
+          <p:cNvPr id="5" name="矩形 4"/>
+          <p:cNvSpPr/>
+          <p:nvPr/>
+        </p:nvSpPr>
+        <p:spPr>
+          <a:xfrm>
+            <a:off x="3557954" y="514350"/>
+            <a:ext cx="413657" cy="459398"/>
+          </a:xfrm>
+          <a:prstGeom prst="rect">
+            <a:avLst/>
+          </a:prstGeom>
+          <a:solidFill>
+            <a:schemeClr val="bg1"/>
+          </a:solidFill>
+          <a:ln>
+            <a:noFill/>
+          </a:ln>
+        </p:spPr>
+        <p:style>
+          <a:lnRef idx="2">
+            <a:schemeClr val="accent1">
+              <a:shade val="50000"/>
+            </a:schemeClr>
+          </a:lnRef>
+          <a:fillRef idx="1">
+            <a:schemeClr val="accent1"/>
+          </a:fillRef>
+          <a:effectRef idx="0">
+            <a:schemeClr val="accent1"/>
+          </a:effectRef>
+          <a:fontRef idx="minor">
+            <a:schemeClr val="lt1"/>
+          </a:fontRef>
+        </p:style>
+        <p:txBody>
+          <a:bodyPr rtlCol="0" anchor="ctr"/>
+          <a:lstStyle/>
+          <a:p>
+            <a:pPr algn="ctr"/>
+            <a:endParaRPr kumimoji="1" lang="zh-CN" altLang="en-US"/>
+          </a:p>
+        </p:txBody>
+      </p:sp>
+      <p:sp>
+        <p:nvSpPr>
+          <p:cNvPr id="6" name="矩形 5"/>
+          <p:cNvSpPr/>
+          <p:nvPr/>
+        </p:nvSpPr>
+        <p:spPr>
+          <a:xfrm>
+            <a:off x="3540369" y="1006719"/>
+            <a:ext cx="413657" cy="459398"/>
+          </a:xfrm>
+          <a:prstGeom prst="rect">
+            <a:avLst/>
+          </a:prstGeom>
+          <a:solidFill>
+            <a:schemeClr val="bg1"/>
+          </a:solidFill>
+          <a:ln>
+            <a:noFill/>
+          </a:ln>
+        </p:spPr>
+        <p:style>
+          <a:lnRef idx="2">
+            <a:schemeClr val="accent1">
+              <a:shade val="50000"/>
+            </a:schemeClr>
+          </a:lnRef>
+          <a:fillRef idx="1">
+            <a:schemeClr val="accent1"/>
+          </a:fillRef>
+          <a:effectRef idx="0">
+            <a:schemeClr val="accent1"/>
+          </a:effectRef>
+          <a:fontRef idx="minor">
+            <a:schemeClr val="lt1"/>
+          </a:fontRef>
+        </p:style>
+        <p:txBody>
+          <a:bodyPr rtlCol="0" anchor="ctr"/>
+          <a:lstStyle/>
+          <a:p>
+            <a:pPr algn="ctr"/>
+            <a:endParaRPr kumimoji="1" lang="zh-CN" altLang="en-US"/>
+          </a:p>
+        </p:txBody>
+      </p:sp>
+      <p:sp>
+        <p:nvSpPr>
+          <p:cNvPr id="7" name="矩形 6"/>
+          <p:cNvSpPr/>
+          <p:nvPr/>
+        </p:nvSpPr>
+        <p:spPr>
+          <a:xfrm>
+            <a:off x="403977" y="1006719"/>
+            <a:ext cx="967623" cy="459398"/>
+          </a:xfrm>
+          <a:prstGeom prst="rect">
+            <a:avLst/>
+          </a:prstGeom>
+          <a:solidFill>
+            <a:schemeClr val="bg1"/>
+          </a:solidFill>
+          <a:ln>
+            <a:noFill/>
+          </a:ln>
+        </p:spPr>
+        <p:style>
+          <a:lnRef idx="2">
+            <a:schemeClr val="accent1">
+              <a:shade val="50000"/>
+            </a:schemeClr>
+          </a:lnRef>
+          <a:fillRef idx="1">
+            <a:schemeClr val="accent1"/>
+          </a:fillRef>
+          <a:effectRef idx="0">
+            <a:schemeClr val="accent1"/>
+          </a:effectRef>
+          <a:fontRef idx="minor">
+            <a:schemeClr val="lt1"/>
+          </a:fontRef>
+        </p:style>
+        <p:txBody>
+          <a:bodyPr rtlCol="0" anchor="ctr"/>
+          <a:lstStyle/>
+          <a:p>
+            <a:pPr algn="ctr"/>
+            <a:endParaRPr kumimoji="1" lang="zh-CN" altLang="en-US"/>
+          </a:p>
+        </p:txBody>
+      </p:sp>
+    </p:spTree>
+    <p:extLst>
+      <p:ext uri="{BB962C8B-B14F-4D97-AF65-F5344CB8AC3E}">
+        <p14:creationId xmlns:p14="http://schemas.microsoft.com/office/powerpoint/2010/main" val="672261893"/>
+      </p:ext>
+    </p:extLst>
+  </p:cSld>
+  <p:clrMapOvr>
+    <a:masterClrMapping/>
+  </p:clrMapOvr>
+</p:sld>
+</file>
+
+<file path=ppt/slides/slide5.xml><?xml version="1.0" encoding="utf-8"?>
+<p:sld xmlns:a="http://schemas.openxmlformats.org/drawingml/2006/main" xmlns:r="http://schemas.openxmlformats.org/officeDocument/2006/relationships" xmlns:p="http://schemas.openxmlformats.org/presentationml/2006/main">
+  <p:cSld>
+    <p:spTree>
+      <p:nvGrpSpPr>
+        <p:cNvPr id="1" name=""/>
+        <p:cNvGrpSpPr/>
+        <p:nvPr/>
+      </p:nvGrpSpPr>
+      <p:grpSpPr>
+        <a:xfrm>
+          <a:off x="0" y="0"/>
+          <a:ext cx="0" cy="0"/>
+          <a:chOff x="0" y="0"/>
+          <a:chExt cx="0" cy="0"/>
+        </a:xfrm>
+      </p:grpSpPr>
+      <p:pic>
+        <p:nvPicPr>
+          <p:cNvPr id="4" name="图片 3"/>
+          <p:cNvPicPr/>
+          <p:nvPr/>
+        </p:nvPicPr>
+        <p:blipFill>
+          <a:blip r:embed="rId2">
+            <a:extLst>
+              <a:ext uri="{28A0092B-C50C-407E-A947-70E740481C1C}">
+                <a14:useLocalDpi xmlns:a14="http://schemas.microsoft.com/office/drawing/2010/main" val="0"/>
+              </a:ext>
+            </a:extLst>
+          </a:blip>
+          <a:srcRect/>
+          <a:stretch>
+            <a:fillRect/>
+          </a:stretch>
+        </p:blipFill>
+        <p:spPr bwMode="auto">
+          <a:xfrm>
+            <a:off x="1014222" y="742950"/>
+            <a:ext cx="5646420" cy="4000500"/>
+          </a:xfrm>
+          <a:prstGeom prst="rect">
+            <a:avLst/>
+          </a:prstGeom>
+          <a:noFill/>
+          <a:ln>
+            <a:noFill/>
+          </a:ln>
+        </p:spPr>
+      </p:pic>
+      <p:sp>
+        <p:nvSpPr>
+          <p:cNvPr id="5" name="矩形 4"/>
+          <p:cNvSpPr/>
+          <p:nvPr/>
+        </p:nvSpPr>
+        <p:spPr>
+          <a:xfrm>
+            <a:off x="1546977" y="1857111"/>
+            <a:ext cx="1534551" cy="459398"/>
+          </a:xfrm>
+          <a:prstGeom prst="rect">
+            <a:avLst/>
+          </a:prstGeom>
+          <a:solidFill>
+            <a:schemeClr val="bg1"/>
+          </a:solidFill>
+          <a:ln>
+            <a:noFill/>
+          </a:ln>
+        </p:spPr>
+        <p:style>
+          <a:lnRef idx="2">
+            <a:schemeClr val="accent1">
+              <a:shade val="50000"/>
+            </a:schemeClr>
+          </a:lnRef>
+          <a:fillRef idx="1">
+            <a:schemeClr val="accent1"/>
+          </a:fillRef>
+          <a:effectRef idx="0">
+            <a:schemeClr val="accent1"/>
+          </a:effectRef>
+          <a:fontRef idx="minor">
+            <a:schemeClr val="lt1"/>
+          </a:fontRef>
+        </p:style>
+        <p:txBody>
+          <a:bodyPr rtlCol="0" anchor="ctr"/>
+          <a:lstStyle/>
+          <a:p>
+            <a:pPr algn="ctr"/>
+            <a:endParaRPr kumimoji="1" lang="zh-CN" altLang="en-US"/>
+          </a:p>
+        </p:txBody>
+      </p:sp>
+    </p:spTree>
+    <p:extLst>
+      <p:ext uri="{BB962C8B-B14F-4D97-AF65-F5344CB8AC3E}">
+        <p14:creationId xmlns:p14="http://schemas.microsoft.com/office/powerpoint/2010/main" val="1183446673"/>
       </p:ext>
     </p:extLst>
   </p:cSld>

--- a/详细设计/主界面设计.pptx
+++ b/详细设计/主界面设计.pptx
@@ -5,7 +5,7 @@
     <p:sldMasterId id="2147483648" r:id="rId1"/>
   </p:sldMasterIdLst>
   <p:notesMasterIdLst>
-    <p:notesMasterId r:id="rId7"/>
+    <p:notesMasterId r:id="rId8"/>
   </p:notesMasterIdLst>
   <p:sldIdLst>
     <p:sldId id="256" r:id="rId2"/>
@@ -13,6 +13,7 @@
     <p:sldId id="258" r:id="rId4"/>
     <p:sldId id="259" r:id="rId5"/>
     <p:sldId id="260" r:id="rId6"/>
+    <p:sldId id="261" r:id="rId7"/>
   </p:sldIdLst>
   <p:sldSz cx="12192000" cy="6858000"/>
   <p:notesSz cx="6858000" cy="9144000"/>
@@ -201,7 +202,7 @@
           <a:p>
             <a:fld id="{C3F0D462-3001-4D4A-968C-EA029E5B9C9B}" type="datetimeFigureOut">
               <a:rPr kumimoji="1" lang="zh-CN" altLang="en-US" smtClean="0"/>
-              <a:t>2017/8/30</a:t>
+              <a:t>2017/8/31</a:t>
             </a:fld>
             <a:endParaRPr kumimoji="1" lang="zh-CN" altLang="en-US"/>
           </a:p>
@@ -600,7 +601,7 @@
           <a:p>
             <a:fld id="{C8F0BE69-45AE-364B-A3A6-FED923136841}" type="datetimeFigureOut">
               <a:rPr kumimoji="1" lang="zh-CN" altLang="en-US" smtClean="0"/>
-              <a:t>2017/8/30</a:t>
+              <a:t>2017/8/31</a:t>
             </a:fld>
             <a:endParaRPr kumimoji="1" lang="zh-CN" altLang="en-US"/>
           </a:p>
@@ -770,7 +771,7 @@
           <a:p>
             <a:fld id="{C8F0BE69-45AE-364B-A3A6-FED923136841}" type="datetimeFigureOut">
               <a:rPr kumimoji="1" lang="zh-CN" altLang="en-US" smtClean="0"/>
-              <a:t>2017/8/30</a:t>
+              <a:t>2017/8/31</a:t>
             </a:fld>
             <a:endParaRPr kumimoji="1" lang="zh-CN" altLang="en-US"/>
           </a:p>
@@ -950,7 +951,7 @@
           <a:p>
             <a:fld id="{C8F0BE69-45AE-364B-A3A6-FED923136841}" type="datetimeFigureOut">
               <a:rPr kumimoji="1" lang="zh-CN" altLang="en-US" smtClean="0"/>
-              <a:t>2017/8/30</a:t>
+              <a:t>2017/8/31</a:t>
             </a:fld>
             <a:endParaRPr kumimoji="1" lang="zh-CN" altLang="en-US"/>
           </a:p>
@@ -1120,7 +1121,7 @@
           <a:p>
             <a:fld id="{C8F0BE69-45AE-364B-A3A6-FED923136841}" type="datetimeFigureOut">
               <a:rPr kumimoji="1" lang="zh-CN" altLang="en-US" smtClean="0"/>
-              <a:t>2017/8/30</a:t>
+              <a:t>2017/8/31</a:t>
             </a:fld>
             <a:endParaRPr kumimoji="1" lang="zh-CN" altLang="en-US"/>
           </a:p>
@@ -1366,7 +1367,7 @@
           <a:p>
             <a:fld id="{C8F0BE69-45AE-364B-A3A6-FED923136841}" type="datetimeFigureOut">
               <a:rPr kumimoji="1" lang="zh-CN" altLang="en-US" smtClean="0"/>
-              <a:t>2017/8/30</a:t>
+              <a:t>2017/8/31</a:t>
             </a:fld>
             <a:endParaRPr kumimoji="1" lang="zh-CN" altLang="en-US"/>
           </a:p>
@@ -1598,7 +1599,7 @@
           <a:p>
             <a:fld id="{C8F0BE69-45AE-364B-A3A6-FED923136841}" type="datetimeFigureOut">
               <a:rPr kumimoji="1" lang="zh-CN" altLang="en-US" smtClean="0"/>
-              <a:t>2017/8/30</a:t>
+              <a:t>2017/8/31</a:t>
             </a:fld>
             <a:endParaRPr kumimoji="1" lang="zh-CN" altLang="en-US"/>
           </a:p>
@@ -1965,7 +1966,7 @@
           <a:p>
             <a:fld id="{C8F0BE69-45AE-364B-A3A6-FED923136841}" type="datetimeFigureOut">
               <a:rPr kumimoji="1" lang="zh-CN" altLang="en-US" smtClean="0"/>
-              <a:t>2017/8/30</a:t>
+              <a:t>2017/8/31</a:t>
             </a:fld>
             <a:endParaRPr kumimoji="1" lang="zh-CN" altLang="en-US"/>
           </a:p>
@@ -2083,7 +2084,7 @@
           <a:p>
             <a:fld id="{C8F0BE69-45AE-364B-A3A6-FED923136841}" type="datetimeFigureOut">
               <a:rPr kumimoji="1" lang="zh-CN" altLang="en-US" smtClean="0"/>
-              <a:t>2017/8/30</a:t>
+              <a:t>2017/8/31</a:t>
             </a:fld>
             <a:endParaRPr kumimoji="1" lang="zh-CN" altLang="en-US"/>
           </a:p>
@@ -2178,7 +2179,7 @@
           <a:p>
             <a:fld id="{C8F0BE69-45AE-364B-A3A6-FED923136841}" type="datetimeFigureOut">
               <a:rPr kumimoji="1" lang="zh-CN" altLang="en-US" smtClean="0"/>
-              <a:t>2017/8/30</a:t>
+              <a:t>2017/8/31</a:t>
             </a:fld>
             <a:endParaRPr kumimoji="1" lang="zh-CN" altLang="en-US"/>
           </a:p>
@@ -2455,7 +2456,7 @@
           <a:p>
             <a:fld id="{C8F0BE69-45AE-364B-A3A6-FED923136841}" type="datetimeFigureOut">
               <a:rPr kumimoji="1" lang="zh-CN" altLang="en-US" smtClean="0"/>
-              <a:t>2017/8/30</a:t>
+              <a:t>2017/8/31</a:t>
             </a:fld>
             <a:endParaRPr kumimoji="1" lang="zh-CN" altLang="en-US"/>
           </a:p>
@@ -2708,7 +2709,7 @@
           <a:p>
             <a:fld id="{C8F0BE69-45AE-364B-A3A6-FED923136841}" type="datetimeFigureOut">
               <a:rPr kumimoji="1" lang="zh-CN" altLang="en-US" smtClean="0"/>
-              <a:t>2017/8/30</a:t>
+              <a:t>2017/8/31</a:t>
             </a:fld>
             <a:endParaRPr kumimoji="1" lang="zh-CN" altLang="en-US"/>
           </a:p>
@@ -2921,7 +2922,7 @@
           <a:p>
             <a:fld id="{C8F0BE69-45AE-364B-A3A6-FED923136841}" type="datetimeFigureOut">
               <a:rPr kumimoji="1" lang="zh-CN" altLang="en-US" smtClean="0"/>
-              <a:t>2017/8/30</a:t>
+              <a:t>2017/8/31</a:t>
             </a:fld>
             <a:endParaRPr kumimoji="1" lang="zh-CN" altLang="en-US"/>
           </a:p>
@@ -4315,7 +4316,7 @@
           <p:cNvPr id="4" name="图片 3">
             <a:extLst>
               <a:ext uri="{FF2B5EF4-FFF2-40B4-BE49-F238E27FC236}">
-                <a16:creationId xmlns="" xmlns:a16="http://schemas.microsoft.com/office/drawing/2014/main" id="{527907A0-EA1C-440F-AD1A-A2DB01FF44EC}"/>
+                <a16:creationId xmlns:a16="http://schemas.microsoft.com/office/drawing/2014/main" xmlns="" id="{527907A0-EA1C-440F-AD1A-A2DB01FF44EC}"/>
               </a:ext>
             </a:extLst>
           </p:cNvPr>
@@ -4332,7 +4333,7 @@
         </p:blipFill>
         <p:spPr>
           <a:xfrm>
-            <a:off x="1826984" y="2029291"/>
+            <a:off x="0" y="0"/>
             <a:ext cx="7282096" cy="818213"/>
           </a:xfrm>
           <a:prstGeom prst="rect">
@@ -4342,14 +4343,52 @@
       </p:pic>
       <p:sp>
         <p:nvSpPr>
-          <p:cNvPr id="5" name="矩形 4"/>
+          <p:cNvPr id="21" name="文本框 20"/>
+          <p:cNvSpPr txBox="1"/>
+          <p:nvPr/>
+        </p:nvSpPr>
+        <p:spPr>
+          <a:xfrm>
+            <a:off x="6771036" y="867420"/>
+            <a:ext cx="276365" cy="369332"/>
+          </a:xfrm>
+          <a:prstGeom prst="rect">
+            <a:avLst/>
+          </a:prstGeom>
+          <a:noFill/>
+        </p:spPr>
+        <p:txBody>
+          <a:bodyPr vert="horz" wrap="square" rtlCol="0">
+            <a:spAutoFit/>
+          </a:bodyPr>
+          <a:lstStyle/>
+          <a:p>
+            <a:r>
+              <a:rPr kumimoji="1" lang="en-US" altLang="zh-CN" dirty="0" smtClean="0">
+                <a:solidFill>
+                  <a:srgbClr val="00B0F0"/>
+                </a:solidFill>
+              </a:rPr>
+              <a:t>9</a:t>
+            </a:r>
+            <a:endParaRPr kumimoji="1" lang="zh-CN" altLang="en-US" dirty="0">
+              <a:solidFill>
+                <a:srgbClr val="00B0F0"/>
+              </a:solidFill>
+            </a:endParaRPr>
+          </a:p>
+        </p:txBody>
+      </p:sp>
+      <p:sp>
+        <p:nvSpPr>
+          <p:cNvPr id="22" name="矩形 21"/>
           <p:cNvSpPr/>
           <p:nvPr/>
         </p:nvSpPr>
         <p:spPr>
           <a:xfrm>
-            <a:off x="1982047" y="2133600"/>
-            <a:ext cx="783771" cy="653139"/>
+            <a:off x="6478815" y="116306"/>
+            <a:ext cx="803281" cy="653139"/>
           </a:xfrm>
           <a:prstGeom prst="rect">
             <a:avLst/>
@@ -4381,700 +4420,6 @@
           <a:p>
             <a:pPr algn="ctr"/>
             <a:endParaRPr kumimoji="1" lang="zh-CN" altLang="en-US"/>
-          </a:p>
-        </p:txBody>
-      </p:sp>
-      <p:sp>
-        <p:nvSpPr>
-          <p:cNvPr id="6" name="文本框 5"/>
-          <p:cNvSpPr txBox="1"/>
-          <p:nvPr/>
-        </p:nvSpPr>
-        <p:spPr>
-          <a:xfrm>
-            <a:off x="2220686" y="2884710"/>
-            <a:ext cx="306494" cy="369332"/>
-          </a:xfrm>
-          <a:prstGeom prst="rect">
-            <a:avLst/>
-          </a:prstGeom>
-          <a:noFill/>
-        </p:spPr>
-        <p:txBody>
-          <a:bodyPr vert="horz" wrap="none" rtlCol="0">
-            <a:spAutoFit/>
-          </a:bodyPr>
-          <a:lstStyle/>
-          <a:p>
-            <a:r>
-              <a:rPr kumimoji="1" lang="en-US" altLang="zh-CN" dirty="0" smtClean="0">
-                <a:solidFill>
-                  <a:srgbClr val="00B0F0"/>
-                </a:solidFill>
-              </a:rPr>
-              <a:t>1</a:t>
-            </a:r>
-            <a:endParaRPr kumimoji="1" lang="zh-CN" altLang="en-US" dirty="0">
-              <a:solidFill>
-                <a:srgbClr val="00B0F0"/>
-              </a:solidFill>
-            </a:endParaRPr>
-          </a:p>
-        </p:txBody>
-      </p:sp>
-      <p:sp>
-        <p:nvSpPr>
-          <p:cNvPr id="8" name="矩形 7"/>
-          <p:cNvSpPr/>
-          <p:nvPr/>
-        </p:nvSpPr>
-        <p:spPr>
-          <a:xfrm>
-            <a:off x="2765818" y="2133600"/>
-            <a:ext cx="750268" cy="653139"/>
-          </a:xfrm>
-          <a:prstGeom prst="rect">
-            <a:avLst/>
-          </a:prstGeom>
-          <a:noFill/>
-          <a:ln w="22225">
-            <a:solidFill>
-              <a:srgbClr val="FF0000"/>
-            </a:solidFill>
-          </a:ln>
-        </p:spPr>
-        <p:style>
-          <a:lnRef idx="2">
-            <a:schemeClr val="accent6"/>
-          </a:lnRef>
-          <a:fillRef idx="1">
-            <a:schemeClr val="lt1"/>
-          </a:fillRef>
-          <a:effectRef idx="0">
-            <a:schemeClr val="accent6"/>
-          </a:effectRef>
-          <a:fontRef idx="minor">
-            <a:schemeClr val="dk1"/>
-          </a:fontRef>
-        </p:style>
-        <p:txBody>
-          <a:bodyPr rtlCol="0" anchor="ctr"/>
-          <a:lstStyle/>
-          <a:p>
-            <a:pPr algn="ctr"/>
-            <a:endParaRPr kumimoji="1" lang="zh-CN" altLang="en-US"/>
-          </a:p>
-        </p:txBody>
-      </p:sp>
-      <p:sp>
-        <p:nvSpPr>
-          <p:cNvPr id="9" name="文本框 8"/>
-          <p:cNvSpPr txBox="1"/>
-          <p:nvPr/>
-        </p:nvSpPr>
-        <p:spPr>
-          <a:xfrm>
-            <a:off x="3037115" y="2884710"/>
-            <a:ext cx="276365" cy="369332"/>
-          </a:xfrm>
-          <a:prstGeom prst="rect">
-            <a:avLst/>
-          </a:prstGeom>
-          <a:noFill/>
-        </p:spPr>
-        <p:txBody>
-          <a:bodyPr vert="horz" wrap="square" rtlCol="0">
-            <a:spAutoFit/>
-          </a:bodyPr>
-          <a:lstStyle/>
-          <a:p>
-            <a:r>
-              <a:rPr kumimoji="1" lang="en-US" altLang="zh-CN" dirty="0" smtClean="0">
-                <a:solidFill>
-                  <a:srgbClr val="00B0F0"/>
-                </a:solidFill>
-              </a:rPr>
-              <a:t>2</a:t>
-            </a:r>
-            <a:endParaRPr kumimoji="1" lang="zh-CN" altLang="en-US" dirty="0">
-              <a:solidFill>
-                <a:srgbClr val="00B0F0"/>
-              </a:solidFill>
-            </a:endParaRPr>
-          </a:p>
-        </p:txBody>
-      </p:sp>
-      <p:sp>
-        <p:nvSpPr>
-          <p:cNvPr id="10" name="矩形 9"/>
-          <p:cNvSpPr/>
-          <p:nvPr/>
-        </p:nvSpPr>
-        <p:spPr>
-          <a:xfrm>
-            <a:off x="3516086" y="2133600"/>
-            <a:ext cx="750268" cy="653139"/>
-          </a:xfrm>
-          <a:prstGeom prst="rect">
-            <a:avLst/>
-          </a:prstGeom>
-          <a:noFill/>
-          <a:ln w="22225">
-            <a:solidFill>
-              <a:srgbClr val="FF0000"/>
-            </a:solidFill>
-          </a:ln>
-        </p:spPr>
-        <p:style>
-          <a:lnRef idx="2">
-            <a:schemeClr val="accent6"/>
-          </a:lnRef>
-          <a:fillRef idx="1">
-            <a:schemeClr val="lt1"/>
-          </a:fillRef>
-          <a:effectRef idx="0">
-            <a:schemeClr val="accent6"/>
-          </a:effectRef>
-          <a:fontRef idx="minor">
-            <a:schemeClr val="dk1"/>
-          </a:fontRef>
-        </p:style>
-        <p:txBody>
-          <a:bodyPr rtlCol="0" anchor="ctr"/>
-          <a:lstStyle/>
-          <a:p>
-            <a:pPr algn="ctr"/>
-            <a:endParaRPr kumimoji="1" lang="zh-CN" altLang="en-US"/>
-          </a:p>
-        </p:txBody>
-      </p:sp>
-      <p:sp>
-        <p:nvSpPr>
-          <p:cNvPr id="11" name="文本框 10"/>
-          <p:cNvSpPr txBox="1"/>
-          <p:nvPr/>
-        </p:nvSpPr>
-        <p:spPr>
-          <a:xfrm>
-            <a:off x="3754725" y="2884710"/>
-            <a:ext cx="276365" cy="369332"/>
-          </a:xfrm>
-          <a:prstGeom prst="rect">
-            <a:avLst/>
-          </a:prstGeom>
-          <a:noFill/>
-        </p:spPr>
-        <p:txBody>
-          <a:bodyPr vert="horz" wrap="square" rtlCol="0">
-            <a:spAutoFit/>
-          </a:bodyPr>
-          <a:lstStyle/>
-          <a:p>
-            <a:r>
-              <a:rPr kumimoji="1" lang="en-US" altLang="zh-CN" dirty="0" smtClean="0">
-                <a:solidFill>
-                  <a:srgbClr val="00B0F0"/>
-                </a:solidFill>
-              </a:rPr>
-              <a:t>3</a:t>
-            </a:r>
-            <a:endParaRPr kumimoji="1" lang="zh-CN" altLang="en-US" dirty="0">
-              <a:solidFill>
-                <a:srgbClr val="00B0F0"/>
-              </a:solidFill>
-            </a:endParaRPr>
-          </a:p>
-        </p:txBody>
-      </p:sp>
-      <p:sp>
-        <p:nvSpPr>
-          <p:cNvPr id="12" name="矩形 11"/>
-          <p:cNvSpPr/>
-          <p:nvPr/>
-        </p:nvSpPr>
-        <p:spPr>
-          <a:xfrm>
-            <a:off x="4266354" y="2133600"/>
-            <a:ext cx="750268" cy="653139"/>
-          </a:xfrm>
-          <a:prstGeom prst="rect">
-            <a:avLst/>
-          </a:prstGeom>
-          <a:noFill/>
-          <a:ln w="22225">
-            <a:solidFill>
-              <a:srgbClr val="FF0000"/>
-            </a:solidFill>
-          </a:ln>
-        </p:spPr>
-        <p:style>
-          <a:lnRef idx="2">
-            <a:schemeClr val="accent6"/>
-          </a:lnRef>
-          <a:fillRef idx="1">
-            <a:schemeClr val="lt1"/>
-          </a:fillRef>
-          <a:effectRef idx="0">
-            <a:schemeClr val="accent6"/>
-          </a:effectRef>
-          <a:fontRef idx="minor">
-            <a:schemeClr val="dk1"/>
-          </a:fontRef>
-        </p:style>
-        <p:txBody>
-          <a:bodyPr rtlCol="0" anchor="ctr"/>
-          <a:lstStyle/>
-          <a:p>
-            <a:pPr algn="ctr"/>
-            <a:endParaRPr kumimoji="1" lang="zh-CN" altLang="en-US"/>
-          </a:p>
-        </p:txBody>
-      </p:sp>
-      <p:sp>
-        <p:nvSpPr>
-          <p:cNvPr id="13" name="文本框 12"/>
-          <p:cNvSpPr txBox="1"/>
-          <p:nvPr/>
-        </p:nvSpPr>
-        <p:spPr>
-          <a:xfrm>
-            <a:off x="4504993" y="2884710"/>
-            <a:ext cx="276365" cy="369332"/>
-          </a:xfrm>
-          <a:prstGeom prst="rect">
-            <a:avLst/>
-          </a:prstGeom>
-          <a:noFill/>
-        </p:spPr>
-        <p:txBody>
-          <a:bodyPr vert="horz" wrap="square" rtlCol="0">
-            <a:spAutoFit/>
-          </a:bodyPr>
-          <a:lstStyle/>
-          <a:p>
-            <a:r>
-              <a:rPr kumimoji="1" lang="en-US" altLang="zh-CN" dirty="0" smtClean="0">
-                <a:solidFill>
-                  <a:srgbClr val="00B0F0"/>
-                </a:solidFill>
-              </a:rPr>
-              <a:t>4</a:t>
-            </a:r>
-            <a:endParaRPr kumimoji="1" lang="zh-CN" altLang="en-US" dirty="0">
-              <a:solidFill>
-                <a:srgbClr val="00B0F0"/>
-              </a:solidFill>
-            </a:endParaRPr>
-          </a:p>
-        </p:txBody>
-      </p:sp>
-      <p:sp>
-        <p:nvSpPr>
-          <p:cNvPr id="14" name="矩形 13"/>
-          <p:cNvSpPr/>
-          <p:nvPr/>
-        </p:nvSpPr>
-        <p:spPr>
-          <a:xfrm>
-            <a:off x="5019160" y="2133601"/>
-            <a:ext cx="783771" cy="653139"/>
-          </a:xfrm>
-          <a:prstGeom prst="rect">
-            <a:avLst/>
-          </a:prstGeom>
-          <a:noFill/>
-          <a:ln w="22225">
-            <a:solidFill>
-              <a:srgbClr val="FF0000"/>
-            </a:solidFill>
-          </a:ln>
-        </p:spPr>
-        <p:style>
-          <a:lnRef idx="2">
-            <a:schemeClr val="accent6"/>
-          </a:lnRef>
-          <a:fillRef idx="1">
-            <a:schemeClr val="lt1"/>
-          </a:fillRef>
-          <a:effectRef idx="0">
-            <a:schemeClr val="accent6"/>
-          </a:effectRef>
-          <a:fontRef idx="minor">
-            <a:schemeClr val="dk1"/>
-          </a:fontRef>
-        </p:style>
-        <p:txBody>
-          <a:bodyPr rtlCol="0" anchor="ctr"/>
-          <a:lstStyle/>
-          <a:p>
-            <a:pPr algn="ctr"/>
-            <a:endParaRPr kumimoji="1" lang="zh-CN" altLang="en-US"/>
-          </a:p>
-        </p:txBody>
-      </p:sp>
-      <p:sp>
-        <p:nvSpPr>
-          <p:cNvPr id="15" name="文本框 14"/>
-          <p:cNvSpPr txBox="1"/>
-          <p:nvPr/>
-        </p:nvSpPr>
-        <p:spPr>
-          <a:xfrm>
-            <a:off x="5279571" y="2884710"/>
-            <a:ext cx="306494" cy="369332"/>
-          </a:xfrm>
-          <a:prstGeom prst="rect">
-            <a:avLst/>
-          </a:prstGeom>
-          <a:noFill/>
-        </p:spPr>
-        <p:txBody>
-          <a:bodyPr vert="horz" wrap="none" rtlCol="0">
-            <a:spAutoFit/>
-          </a:bodyPr>
-          <a:lstStyle/>
-          <a:p>
-            <a:r>
-              <a:rPr kumimoji="1" lang="en-US" altLang="zh-CN" dirty="0" smtClean="0">
-                <a:solidFill>
-                  <a:srgbClr val="00B0F0"/>
-                </a:solidFill>
-              </a:rPr>
-              <a:t>5</a:t>
-            </a:r>
-            <a:endParaRPr kumimoji="1" lang="zh-CN" altLang="en-US" dirty="0">
-              <a:solidFill>
-                <a:srgbClr val="00B0F0"/>
-              </a:solidFill>
-            </a:endParaRPr>
-          </a:p>
-        </p:txBody>
-      </p:sp>
-      <p:sp>
-        <p:nvSpPr>
-          <p:cNvPr id="16" name="矩形 15"/>
-          <p:cNvSpPr/>
-          <p:nvPr/>
-        </p:nvSpPr>
-        <p:spPr>
-          <a:xfrm>
-            <a:off x="5802930" y="2133601"/>
-            <a:ext cx="905331" cy="653139"/>
-          </a:xfrm>
-          <a:prstGeom prst="rect">
-            <a:avLst/>
-          </a:prstGeom>
-          <a:noFill/>
-          <a:ln w="22225">
-            <a:solidFill>
-              <a:srgbClr val="FF0000"/>
-            </a:solidFill>
-          </a:ln>
-        </p:spPr>
-        <p:style>
-          <a:lnRef idx="2">
-            <a:schemeClr val="accent6"/>
-          </a:lnRef>
-          <a:fillRef idx="1">
-            <a:schemeClr val="lt1"/>
-          </a:fillRef>
-          <a:effectRef idx="0">
-            <a:schemeClr val="accent6"/>
-          </a:effectRef>
-          <a:fontRef idx="minor">
-            <a:schemeClr val="dk1"/>
-          </a:fontRef>
-        </p:style>
-        <p:txBody>
-          <a:bodyPr rtlCol="0" anchor="ctr"/>
-          <a:lstStyle/>
-          <a:p>
-            <a:pPr algn="ctr"/>
-            <a:endParaRPr kumimoji="1" lang="zh-CN" altLang="en-US"/>
-          </a:p>
-        </p:txBody>
-      </p:sp>
-      <p:sp>
-        <p:nvSpPr>
-          <p:cNvPr id="17" name="文本框 16"/>
-          <p:cNvSpPr txBox="1"/>
-          <p:nvPr/>
-        </p:nvSpPr>
-        <p:spPr>
-          <a:xfrm>
-            <a:off x="6128657" y="2884710"/>
-            <a:ext cx="276365" cy="369332"/>
-          </a:xfrm>
-          <a:prstGeom prst="rect">
-            <a:avLst/>
-          </a:prstGeom>
-          <a:noFill/>
-        </p:spPr>
-        <p:txBody>
-          <a:bodyPr vert="horz" wrap="square" rtlCol="0">
-            <a:spAutoFit/>
-          </a:bodyPr>
-          <a:lstStyle/>
-          <a:p>
-            <a:r>
-              <a:rPr kumimoji="1" lang="en-US" altLang="zh-CN" dirty="0" smtClean="0">
-                <a:solidFill>
-                  <a:srgbClr val="00B0F0"/>
-                </a:solidFill>
-              </a:rPr>
-              <a:t>6</a:t>
-            </a:r>
-            <a:endParaRPr kumimoji="1" lang="zh-CN" altLang="en-US" dirty="0">
-              <a:solidFill>
-                <a:srgbClr val="00B0F0"/>
-              </a:solidFill>
-            </a:endParaRPr>
-          </a:p>
-        </p:txBody>
-      </p:sp>
-      <p:sp>
-        <p:nvSpPr>
-          <p:cNvPr id="18" name="矩形 17"/>
-          <p:cNvSpPr/>
-          <p:nvPr/>
-        </p:nvSpPr>
-        <p:spPr>
-          <a:xfrm>
-            <a:off x="6708260" y="2133601"/>
-            <a:ext cx="750269" cy="653139"/>
-          </a:xfrm>
-          <a:prstGeom prst="rect">
-            <a:avLst/>
-          </a:prstGeom>
-          <a:noFill/>
-          <a:ln w="22225">
-            <a:solidFill>
-              <a:srgbClr val="FF0000"/>
-            </a:solidFill>
-          </a:ln>
-        </p:spPr>
-        <p:style>
-          <a:lnRef idx="2">
-            <a:schemeClr val="accent6"/>
-          </a:lnRef>
-          <a:fillRef idx="1">
-            <a:schemeClr val="lt1"/>
-          </a:fillRef>
-          <a:effectRef idx="0">
-            <a:schemeClr val="accent6"/>
-          </a:effectRef>
-          <a:fontRef idx="minor">
-            <a:schemeClr val="dk1"/>
-          </a:fontRef>
-        </p:style>
-        <p:txBody>
-          <a:bodyPr rtlCol="0" anchor="ctr"/>
-          <a:lstStyle/>
-          <a:p>
-            <a:pPr algn="ctr"/>
-            <a:endParaRPr kumimoji="1" lang="zh-CN" altLang="en-US"/>
-          </a:p>
-        </p:txBody>
-      </p:sp>
-      <p:sp>
-        <p:nvSpPr>
-          <p:cNvPr id="19" name="文本框 18"/>
-          <p:cNvSpPr txBox="1"/>
-          <p:nvPr/>
-        </p:nvSpPr>
-        <p:spPr>
-          <a:xfrm>
-            <a:off x="6966009" y="2884710"/>
-            <a:ext cx="276365" cy="369332"/>
-          </a:xfrm>
-          <a:prstGeom prst="rect">
-            <a:avLst/>
-          </a:prstGeom>
-          <a:noFill/>
-        </p:spPr>
-        <p:txBody>
-          <a:bodyPr vert="horz" wrap="square" rtlCol="0">
-            <a:spAutoFit/>
-          </a:bodyPr>
-          <a:lstStyle/>
-          <a:p>
-            <a:r>
-              <a:rPr kumimoji="1" lang="en-US" altLang="zh-CN" dirty="0" smtClean="0">
-                <a:solidFill>
-                  <a:srgbClr val="00B0F0"/>
-                </a:solidFill>
-              </a:rPr>
-              <a:t>7</a:t>
-            </a:r>
-            <a:endParaRPr kumimoji="1" lang="zh-CN" altLang="en-US" dirty="0">
-              <a:solidFill>
-                <a:srgbClr val="00B0F0"/>
-              </a:solidFill>
-            </a:endParaRPr>
-          </a:p>
-        </p:txBody>
-      </p:sp>
-      <p:sp>
-        <p:nvSpPr>
-          <p:cNvPr id="20" name="矩形 19"/>
-          <p:cNvSpPr/>
-          <p:nvPr/>
-        </p:nvSpPr>
-        <p:spPr>
-          <a:xfrm>
-            <a:off x="7458528" y="2133601"/>
-            <a:ext cx="847271" cy="653139"/>
-          </a:xfrm>
-          <a:prstGeom prst="rect">
-            <a:avLst/>
-          </a:prstGeom>
-          <a:noFill/>
-          <a:ln w="22225">
-            <a:solidFill>
-              <a:srgbClr val="FF0000"/>
-            </a:solidFill>
-          </a:ln>
-        </p:spPr>
-        <p:style>
-          <a:lnRef idx="2">
-            <a:schemeClr val="accent6"/>
-          </a:lnRef>
-          <a:fillRef idx="1">
-            <a:schemeClr val="lt1"/>
-          </a:fillRef>
-          <a:effectRef idx="0">
-            <a:schemeClr val="accent6"/>
-          </a:effectRef>
-          <a:fontRef idx="minor">
-            <a:schemeClr val="dk1"/>
-          </a:fontRef>
-        </p:style>
-        <p:txBody>
-          <a:bodyPr rtlCol="0" anchor="ctr"/>
-          <a:lstStyle/>
-          <a:p>
-            <a:pPr algn="ctr"/>
-            <a:endParaRPr kumimoji="1" lang="zh-CN" altLang="en-US"/>
-          </a:p>
-        </p:txBody>
-      </p:sp>
-      <p:sp>
-        <p:nvSpPr>
-          <p:cNvPr id="21" name="文本框 20"/>
-          <p:cNvSpPr txBox="1"/>
-          <p:nvPr/>
-        </p:nvSpPr>
-        <p:spPr>
-          <a:xfrm>
-            <a:off x="8598020" y="2884710"/>
-            <a:ext cx="276365" cy="369332"/>
-          </a:xfrm>
-          <a:prstGeom prst="rect">
-            <a:avLst/>
-          </a:prstGeom>
-          <a:noFill/>
-        </p:spPr>
-        <p:txBody>
-          <a:bodyPr vert="horz" wrap="square" rtlCol="0">
-            <a:spAutoFit/>
-          </a:bodyPr>
-          <a:lstStyle/>
-          <a:p>
-            <a:r>
-              <a:rPr kumimoji="1" lang="en-US" altLang="zh-CN" dirty="0" smtClean="0">
-                <a:solidFill>
-                  <a:srgbClr val="00B0F0"/>
-                </a:solidFill>
-              </a:rPr>
-              <a:t>9</a:t>
-            </a:r>
-            <a:endParaRPr kumimoji="1" lang="zh-CN" altLang="en-US" dirty="0">
-              <a:solidFill>
-                <a:srgbClr val="00B0F0"/>
-              </a:solidFill>
-            </a:endParaRPr>
-          </a:p>
-        </p:txBody>
-      </p:sp>
-      <p:sp>
-        <p:nvSpPr>
-          <p:cNvPr id="22" name="矩形 21"/>
-          <p:cNvSpPr/>
-          <p:nvPr/>
-        </p:nvSpPr>
-        <p:spPr>
-          <a:xfrm>
-            <a:off x="8305799" y="2133596"/>
-            <a:ext cx="803281" cy="653139"/>
-          </a:xfrm>
-          <a:prstGeom prst="rect">
-            <a:avLst/>
-          </a:prstGeom>
-          <a:noFill/>
-          <a:ln w="22225">
-            <a:solidFill>
-              <a:srgbClr val="FF0000"/>
-            </a:solidFill>
-          </a:ln>
-        </p:spPr>
-        <p:style>
-          <a:lnRef idx="2">
-            <a:schemeClr val="accent6"/>
-          </a:lnRef>
-          <a:fillRef idx="1">
-            <a:schemeClr val="lt1"/>
-          </a:fillRef>
-          <a:effectRef idx="0">
-            <a:schemeClr val="accent6"/>
-          </a:effectRef>
-          <a:fontRef idx="minor">
-            <a:schemeClr val="dk1"/>
-          </a:fontRef>
-        </p:style>
-        <p:txBody>
-          <a:bodyPr rtlCol="0" anchor="ctr"/>
-          <a:lstStyle/>
-          <a:p>
-            <a:pPr algn="ctr"/>
-            <a:endParaRPr kumimoji="1" lang="zh-CN" altLang="en-US"/>
-          </a:p>
-        </p:txBody>
-      </p:sp>
-      <p:sp>
-        <p:nvSpPr>
-          <p:cNvPr id="23" name="文本框 22"/>
-          <p:cNvSpPr txBox="1"/>
-          <p:nvPr/>
-        </p:nvSpPr>
-        <p:spPr>
-          <a:xfrm>
-            <a:off x="7765752" y="2884710"/>
-            <a:ext cx="276365" cy="369332"/>
-          </a:xfrm>
-          <a:prstGeom prst="rect">
-            <a:avLst/>
-          </a:prstGeom>
-          <a:noFill/>
-        </p:spPr>
-        <p:txBody>
-          <a:bodyPr vert="horz" wrap="square" rtlCol="0">
-            <a:spAutoFit/>
-          </a:bodyPr>
-          <a:lstStyle/>
-          <a:p>
-            <a:r>
-              <a:rPr kumimoji="1" lang="en-US" altLang="zh-CN" dirty="0" smtClean="0">
-                <a:solidFill>
-                  <a:srgbClr val="00B0F0"/>
-                </a:solidFill>
-              </a:rPr>
-              <a:t>8</a:t>
-            </a:r>
-            <a:endParaRPr kumimoji="1" lang="zh-CN" altLang="en-US" dirty="0">
-              <a:solidFill>
-                <a:srgbClr val="00B0F0"/>
-              </a:solidFill>
-            </a:endParaRPr>
           </a:p>
         </p:txBody>
       </p:sp>
@@ -5395,6 +4740,1063 @@
     <p:extLst>
       <p:ext uri="{BB962C8B-B14F-4D97-AF65-F5344CB8AC3E}">
         <p14:creationId xmlns:p14="http://schemas.microsoft.com/office/powerpoint/2010/main" val="1183446673"/>
+      </p:ext>
+    </p:extLst>
+  </p:cSld>
+  <p:clrMapOvr>
+    <a:masterClrMapping/>
+  </p:clrMapOvr>
+</p:sld>
+</file>
+
+<file path=ppt/slides/slide6.xml><?xml version="1.0" encoding="utf-8"?>
+<p:sld xmlns:a="http://schemas.openxmlformats.org/drawingml/2006/main" xmlns:r="http://schemas.openxmlformats.org/officeDocument/2006/relationships" xmlns:p="http://schemas.openxmlformats.org/presentationml/2006/main">
+  <p:cSld>
+    <p:spTree>
+      <p:nvGrpSpPr>
+        <p:cNvPr id="1" name=""/>
+        <p:cNvGrpSpPr/>
+        <p:nvPr/>
+      </p:nvGrpSpPr>
+      <p:grpSpPr>
+        <a:xfrm>
+          <a:off x="0" y="0"/>
+          <a:ext cx="0" cy="0"/>
+          <a:chOff x="0" y="0"/>
+          <a:chExt cx="0" cy="0"/>
+        </a:xfrm>
+      </p:grpSpPr>
+      <p:pic>
+        <p:nvPicPr>
+          <p:cNvPr id="4" name="Picture 3"/>
+          <p:cNvPicPr/>
+          <p:nvPr/>
+        </p:nvPicPr>
+        <p:blipFill>
+          <a:blip r:embed="rId2">
+            <a:extLst>
+              <a:ext uri="{28A0092B-C50C-407E-A947-70E740481C1C}">
+                <a14:useLocalDpi xmlns:a14="http://schemas.microsoft.com/office/drawing/2010/main" val="0"/>
+              </a:ext>
+            </a:extLst>
+          </a:blip>
+          <a:srcRect/>
+          <a:stretch>
+            <a:fillRect/>
+          </a:stretch>
+        </p:blipFill>
+        <p:spPr bwMode="auto">
+          <a:xfrm>
+            <a:off x="1769935" y="1291526"/>
+            <a:ext cx="9151049" cy="4877626"/>
+          </a:xfrm>
+          <a:prstGeom prst="rect">
+            <a:avLst/>
+          </a:prstGeom>
+          <a:noFill/>
+          <a:ln>
+            <a:noFill/>
+          </a:ln>
+        </p:spPr>
+      </p:pic>
+      <p:sp>
+        <p:nvSpPr>
+          <p:cNvPr id="7" name="TextBox 6"/>
+          <p:cNvSpPr txBox="1"/>
+          <p:nvPr/>
+        </p:nvSpPr>
+        <p:spPr>
+          <a:xfrm>
+            <a:off x="1762601" y="1874746"/>
+            <a:ext cx="560832" cy="307777"/>
+          </a:xfrm>
+          <a:prstGeom prst="rect">
+            <a:avLst/>
+          </a:prstGeom>
+          <a:solidFill>
+            <a:schemeClr val="bg1"/>
+          </a:solidFill>
+        </p:spPr>
+        <p:txBody>
+          <a:bodyPr wrap="square" rtlCol="0">
+            <a:spAutoFit/>
+          </a:bodyPr>
+          <a:lstStyle/>
+          <a:p>
+            <a:r>
+              <a:rPr lang="en-US" altLang="zh-CN" sz="1400" dirty="0" smtClean="0"/>
+              <a:t>CO</a:t>
+            </a:r>
+            <a:r>
+              <a:rPr lang="en-US" altLang="zh-CN" sz="1400" baseline="-25000" dirty="0" smtClean="0"/>
+              <a:t>2</a:t>
+            </a:r>
+            <a:endParaRPr lang="en-US" sz="1400" dirty="0"/>
+          </a:p>
+        </p:txBody>
+      </p:sp>
+      <p:sp>
+        <p:nvSpPr>
+          <p:cNvPr id="8" name="TextBox 7"/>
+          <p:cNvSpPr txBox="1"/>
+          <p:nvPr/>
+        </p:nvSpPr>
+        <p:spPr>
+          <a:xfrm>
+            <a:off x="3165730" y="1536192"/>
+            <a:ext cx="560832" cy="338554"/>
+          </a:xfrm>
+          <a:prstGeom prst="rect">
+            <a:avLst/>
+          </a:prstGeom>
+          <a:solidFill>
+            <a:schemeClr val="bg1"/>
+          </a:solidFill>
+        </p:spPr>
+        <p:txBody>
+          <a:bodyPr wrap="square" rtlCol="0">
+            <a:spAutoFit/>
+          </a:bodyPr>
+          <a:lstStyle/>
+          <a:p>
+            <a:r>
+              <a:rPr lang="en-US" altLang="zh-CN" sz="1600" dirty="0"/>
+              <a:t>4</a:t>
+            </a:r>
+            <a:r>
+              <a:rPr lang="zh-CN" altLang="en-US" sz="1600" dirty="0" smtClean="0"/>
+              <a:t>日</a:t>
+            </a:r>
+            <a:endParaRPr lang="en-US" sz="1600" dirty="0"/>
+          </a:p>
+        </p:txBody>
+      </p:sp>
+      <p:sp>
+        <p:nvSpPr>
+          <p:cNvPr id="9" name="TextBox 8"/>
+          <p:cNvSpPr txBox="1"/>
+          <p:nvPr/>
+        </p:nvSpPr>
+        <p:spPr>
+          <a:xfrm>
+            <a:off x="3897250" y="1536192"/>
+            <a:ext cx="560832" cy="338554"/>
+          </a:xfrm>
+          <a:prstGeom prst="rect">
+            <a:avLst/>
+          </a:prstGeom>
+          <a:solidFill>
+            <a:schemeClr val="bg1"/>
+          </a:solidFill>
+        </p:spPr>
+        <p:txBody>
+          <a:bodyPr wrap="square" rtlCol="0">
+            <a:spAutoFit/>
+          </a:bodyPr>
+          <a:lstStyle/>
+          <a:p>
+            <a:r>
+              <a:rPr lang="en-US" altLang="zh-CN" sz="1600" dirty="0" smtClean="0"/>
+              <a:t>5</a:t>
+            </a:r>
+            <a:r>
+              <a:rPr lang="zh-CN" altLang="en-US" sz="1600" dirty="0" smtClean="0"/>
+              <a:t>日</a:t>
+            </a:r>
+            <a:endParaRPr lang="en-US" sz="1600" dirty="0"/>
+          </a:p>
+        </p:txBody>
+      </p:sp>
+      <p:sp>
+        <p:nvSpPr>
+          <p:cNvPr id="10" name="TextBox 9"/>
+          <p:cNvSpPr txBox="1"/>
+          <p:nvPr/>
+        </p:nvSpPr>
+        <p:spPr>
+          <a:xfrm>
+            <a:off x="5281806" y="1536192"/>
+            <a:ext cx="577214" cy="338554"/>
+          </a:xfrm>
+          <a:prstGeom prst="rect">
+            <a:avLst/>
+          </a:prstGeom>
+          <a:solidFill>
+            <a:schemeClr val="bg1"/>
+          </a:solidFill>
+        </p:spPr>
+        <p:txBody>
+          <a:bodyPr wrap="square" rtlCol="0">
+            <a:spAutoFit/>
+          </a:bodyPr>
+          <a:lstStyle/>
+          <a:p>
+            <a:r>
+              <a:rPr lang="en-US" altLang="zh-CN" sz="1600" dirty="0" smtClean="0"/>
+              <a:t>7</a:t>
+            </a:r>
+            <a:r>
+              <a:rPr lang="zh-CN" altLang="en-US" sz="1600" dirty="0" smtClean="0"/>
+              <a:t>日</a:t>
+            </a:r>
+            <a:endParaRPr lang="en-US" sz="1600" dirty="0"/>
+          </a:p>
+        </p:txBody>
+      </p:sp>
+      <p:sp>
+        <p:nvSpPr>
+          <p:cNvPr id="11" name="TextBox 10"/>
+          <p:cNvSpPr txBox="1"/>
+          <p:nvPr/>
+        </p:nvSpPr>
+        <p:spPr>
+          <a:xfrm>
+            <a:off x="4572000" y="1536192"/>
+            <a:ext cx="560832" cy="338554"/>
+          </a:xfrm>
+          <a:prstGeom prst="rect">
+            <a:avLst/>
+          </a:prstGeom>
+          <a:solidFill>
+            <a:schemeClr val="bg1"/>
+          </a:solidFill>
+        </p:spPr>
+        <p:txBody>
+          <a:bodyPr wrap="square" rtlCol="0">
+            <a:spAutoFit/>
+          </a:bodyPr>
+          <a:lstStyle/>
+          <a:p>
+            <a:r>
+              <a:rPr lang="en-US" altLang="zh-CN" sz="1600" dirty="0"/>
+              <a:t>6</a:t>
+            </a:r>
+            <a:r>
+              <a:rPr lang="zh-CN" altLang="en-US" sz="1600" dirty="0" smtClean="0"/>
+              <a:t>日</a:t>
+            </a:r>
+            <a:endParaRPr lang="en-US" sz="1600" dirty="0"/>
+          </a:p>
+        </p:txBody>
+      </p:sp>
+      <p:sp>
+        <p:nvSpPr>
+          <p:cNvPr id="12" name="TextBox 11"/>
+          <p:cNvSpPr txBox="1"/>
+          <p:nvPr/>
+        </p:nvSpPr>
+        <p:spPr>
+          <a:xfrm>
+            <a:off x="5949696" y="1536192"/>
+            <a:ext cx="560832" cy="338554"/>
+          </a:xfrm>
+          <a:prstGeom prst="rect">
+            <a:avLst/>
+          </a:prstGeom>
+          <a:solidFill>
+            <a:schemeClr val="bg1"/>
+          </a:solidFill>
+        </p:spPr>
+        <p:txBody>
+          <a:bodyPr wrap="square" rtlCol="0">
+            <a:spAutoFit/>
+          </a:bodyPr>
+          <a:lstStyle/>
+          <a:p>
+            <a:r>
+              <a:rPr lang="en-US" altLang="zh-CN" sz="1600" dirty="0"/>
+              <a:t>8</a:t>
+            </a:r>
+            <a:r>
+              <a:rPr lang="zh-CN" altLang="en-US" sz="1600" dirty="0" smtClean="0"/>
+              <a:t>日</a:t>
+            </a:r>
+            <a:endParaRPr lang="en-US" sz="1600" dirty="0"/>
+          </a:p>
+        </p:txBody>
+      </p:sp>
+      <p:sp>
+        <p:nvSpPr>
+          <p:cNvPr id="13" name="TextBox 12"/>
+          <p:cNvSpPr txBox="1"/>
+          <p:nvPr/>
+        </p:nvSpPr>
+        <p:spPr>
+          <a:xfrm>
+            <a:off x="6664834" y="1536192"/>
+            <a:ext cx="560832" cy="338554"/>
+          </a:xfrm>
+          <a:prstGeom prst="rect">
+            <a:avLst/>
+          </a:prstGeom>
+          <a:solidFill>
+            <a:schemeClr val="bg1"/>
+          </a:solidFill>
+        </p:spPr>
+        <p:txBody>
+          <a:bodyPr wrap="square" rtlCol="0">
+            <a:spAutoFit/>
+          </a:bodyPr>
+          <a:lstStyle/>
+          <a:p>
+            <a:r>
+              <a:rPr lang="en-US" altLang="zh-CN" sz="1600" dirty="0" smtClean="0"/>
+              <a:t>9</a:t>
+            </a:r>
+            <a:r>
+              <a:rPr lang="zh-CN" altLang="en-US" sz="1600" dirty="0" smtClean="0"/>
+              <a:t>日</a:t>
+            </a:r>
+            <a:endParaRPr lang="en-US" sz="1600" dirty="0"/>
+          </a:p>
+        </p:txBody>
+      </p:sp>
+      <p:sp>
+        <p:nvSpPr>
+          <p:cNvPr id="14" name="TextBox 13"/>
+          <p:cNvSpPr txBox="1"/>
+          <p:nvPr/>
+        </p:nvSpPr>
+        <p:spPr>
+          <a:xfrm>
+            <a:off x="7323202" y="1536192"/>
+            <a:ext cx="625982" cy="338554"/>
+          </a:xfrm>
+          <a:prstGeom prst="rect">
+            <a:avLst/>
+          </a:prstGeom>
+          <a:solidFill>
+            <a:schemeClr val="bg1"/>
+          </a:solidFill>
+        </p:spPr>
+        <p:txBody>
+          <a:bodyPr wrap="square" rtlCol="0">
+            <a:spAutoFit/>
+          </a:bodyPr>
+          <a:lstStyle/>
+          <a:p>
+            <a:r>
+              <a:rPr lang="en-US" altLang="zh-CN" sz="1600" dirty="0" smtClean="0"/>
+              <a:t>10</a:t>
+            </a:r>
+            <a:r>
+              <a:rPr lang="zh-CN" altLang="en-US" sz="1600" dirty="0" smtClean="0"/>
+              <a:t>日</a:t>
+            </a:r>
+            <a:endParaRPr lang="en-US" sz="1600" dirty="0"/>
+          </a:p>
+        </p:txBody>
+      </p:sp>
+      <p:sp>
+        <p:nvSpPr>
+          <p:cNvPr id="15" name="TextBox 14"/>
+          <p:cNvSpPr txBox="1"/>
+          <p:nvPr/>
+        </p:nvSpPr>
+        <p:spPr>
+          <a:xfrm>
+            <a:off x="8028625" y="1536192"/>
+            <a:ext cx="625982" cy="338554"/>
+          </a:xfrm>
+          <a:prstGeom prst="rect">
+            <a:avLst/>
+          </a:prstGeom>
+          <a:solidFill>
+            <a:schemeClr val="bg1"/>
+          </a:solidFill>
+        </p:spPr>
+        <p:txBody>
+          <a:bodyPr wrap="square" rtlCol="0">
+            <a:spAutoFit/>
+          </a:bodyPr>
+          <a:lstStyle/>
+          <a:p>
+            <a:r>
+              <a:rPr lang="en-US" altLang="zh-CN" sz="1600" dirty="0" smtClean="0"/>
+              <a:t>11</a:t>
+            </a:r>
+            <a:r>
+              <a:rPr lang="zh-CN" altLang="en-US" sz="1600" dirty="0" smtClean="0"/>
+              <a:t>日</a:t>
+            </a:r>
+            <a:endParaRPr lang="en-US" sz="1600" dirty="0"/>
+          </a:p>
+        </p:txBody>
+      </p:sp>
+      <p:sp>
+        <p:nvSpPr>
+          <p:cNvPr id="16" name="TextBox 15"/>
+          <p:cNvSpPr txBox="1"/>
+          <p:nvPr/>
+        </p:nvSpPr>
+        <p:spPr>
+          <a:xfrm>
+            <a:off x="8727091" y="1536192"/>
+            <a:ext cx="632087" cy="338554"/>
+          </a:xfrm>
+          <a:prstGeom prst="rect">
+            <a:avLst/>
+          </a:prstGeom>
+          <a:solidFill>
+            <a:schemeClr val="bg1"/>
+          </a:solidFill>
+        </p:spPr>
+        <p:txBody>
+          <a:bodyPr wrap="square" rtlCol="0">
+            <a:spAutoFit/>
+          </a:bodyPr>
+          <a:lstStyle/>
+          <a:p>
+            <a:r>
+              <a:rPr lang="en-US" altLang="zh-CN" sz="1600" smtClean="0"/>
+              <a:t>12</a:t>
+            </a:r>
+            <a:r>
+              <a:rPr lang="zh-CN" altLang="en-US" sz="1600" dirty="0" smtClean="0"/>
+              <a:t>日</a:t>
+            </a:r>
+            <a:endParaRPr lang="en-US" sz="1600" dirty="0"/>
+          </a:p>
+        </p:txBody>
+      </p:sp>
+      <p:sp>
+        <p:nvSpPr>
+          <p:cNvPr id="17" name="TextBox 16"/>
+          <p:cNvSpPr txBox="1"/>
+          <p:nvPr/>
+        </p:nvSpPr>
+        <p:spPr>
+          <a:xfrm>
+            <a:off x="9449854" y="1536192"/>
+            <a:ext cx="625982" cy="338554"/>
+          </a:xfrm>
+          <a:prstGeom prst="rect">
+            <a:avLst/>
+          </a:prstGeom>
+          <a:solidFill>
+            <a:schemeClr val="bg1"/>
+          </a:solidFill>
+        </p:spPr>
+        <p:txBody>
+          <a:bodyPr wrap="square" rtlCol="0">
+            <a:spAutoFit/>
+          </a:bodyPr>
+          <a:lstStyle/>
+          <a:p>
+            <a:r>
+              <a:rPr lang="en-US" altLang="zh-CN" sz="1600" dirty="0" smtClean="0"/>
+              <a:t>13</a:t>
+            </a:r>
+            <a:r>
+              <a:rPr lang="zh-CN" altLang="en-US" sz="1600" dirty="0" smtClean="0"/>
+              <a:t>日</a:t>
+            </a:r>
+            <a:endParaRPr lang="en-US" sz="1600" dirty="0"/>
+          </a:p>
+        </p:txBody>
+      </p:sp>
+      <p:sp>
+        <p:nvSpPr>
+          <p:cNvPr id="18" name="TextBox 17"/>
+          <p:cNvSpPr txBox="1"/>
+          <p:nvPr/>
+        </p:nvSpPr>
+        <p:spPr>
+          <a:xfrm>
+            <a:off x="10166512" y="1536192"/>
+            <a:ext cx="625982" cy="338554"/>
+          </a:xfrm>
+          <a:prstGeom prst="rect">
+            <a:avLst/>
+          </a:prstGeom>
+          <a:solidFill>
+            <a:schemeClr val="bg1"/>
+          </a:solidFill>
+        </p:spPr>
+        <p:txBody>
+          <a:bodyPr wrap="square" rtlCol="0">
+            <a:spAutoFit/>
+          </a:bodyPr>
+          <a:lstStyle/>
+          <a:p>
+            <a:r>
+              <a:rPr lang="en-US" altLang="zh-CN" sz="1600" dirty="0" smtClean="0"/>
+              <a:t>14</a:t>
+            </a:r>
+            <a:r>
+              <a:rPr lang="zh-CN" altLang="en-US" sz="1600" dirty="0" smtClean="0"/>
+              <a:t>日</a:t>
+            </a:r>
+            <a:endParaRPr lang="en-US" sz="1600" dirty="0"/>
+          </a:p>
+        </p:txBody>
+      </p:sp>
+      <p:sp>
+        <p:nvSpPr>
+          <p:cNvPr id="19" name="TextBox 18"/>
+          <p:cNvSpPr txBox="1"/>
+          <p:nvPr/>
+        </p:nvSpPr>
+        <p:spPr>
+          <a:xfrm>
+            <a:off x="1762601" y="2468744"/>
+            <a:ext cx="560832" cy="307777"/>
+          </a:xfrm>
+          <a:prstGeom prst="rect">
+            <a:avLst/>
+          </a:prstGeom>
+          <a:solidFill>
+            <a:schemeClr val="bg1"/>
+          </a:solidFill>
+        </p:spPr>
+        <p:txBody>
+          <a:bodyPr wrap="square" rtlCol="0">
+            <a:spAutoFit/>
+          </a:bodyPr>
+          <a:lstStyle/>
+          <a:p>
+            <a:r>
+              <a:rPr lang="en-US" altLang="zh-CN" sz="1400" dirty="0" smtClean="0"/>
+              <a:t>NO</a:t>
+            </a:r>
+            <a:endParaRPr lang="en-US" sz="1400" dirty="0"/>
+          </a:p>
+        </p:txBody>
+      </p:sp>
+      <p:sp>
+        <p:nvSpPr>
+          <p:cNvPr id="20" name="TextBox 19"/>
+          <p:cNvSpPr txBox="1"/>
+          <p:nvPr/>
+        </p:nvSpPr>
+        <p:spPr>
+          <a:xfrm>
+            <a:off x="1762601" y="2171745"/>
+            <a:ext cx="560832" cy="307777"/>
+          </a:xfrm>
+          <a:prstGeom prst="rect">
+            <a:avLst/>
+          </a:prstGeom>
+          <a:solidFill>
+            <a:schemeClr val="bg1"/>
+          </a:solidFill>
+        </p:spPr>
+        <p:txBody>
+          <a:bodyPr wrap="square" rtlCol="0">
+            <a:spAutoFit/>
+          </a:bodyPr>
+          <a:lstStyle/>
+          <a:p>
+            <a:r>
+              <a:rPr lang="en-US" altLang="zh-CN" sz="1400" dirty="0" smtClean="0"/>
+              <a:t>NO</a:t>
+            </a:r>
+            <a:r>
+              <a:rPr lang="en-US" altLang="zh-CN" sz="1400" baseline="-25000" dirty="0" smtClean="0"/>
+              <a:t>2</a:t>
+            </a:r>
+            <a:endParaRPr lang="en-US" sz="1400" dirty="0"/>
+          </a:p>
+        </p:txBody>
+      </p:sp>
+      <p:sp>
+        <p:nvSpPr>
+          <p:cNvPr id="21" name="TextBox 20"/>
+          <p:cNvSpPr txBox="1"/>
+          <p:nvPr/>
+        </p:nvSpPr>
+        <p:spPr>
+          <a:xfrm>
+            <a:off x="1762601" y="2765743"/>
+            <a:ext cx="560832" cy="307777"/>
+          </a:xfrm>
+          <a:prstGeom prst="rect">
+            <a:avLst/>
+          </a:prstGeom>
+          <a:solidFill>
+            <a:schemeClr val="bg1"/>
+          </a:solidFill>
+        </p:spPr>
+        <p:txBody>
+          <a:bodyPr wrap="square" rtlCol="0">
+            <a:spAutoFit/>
+          </a:bodyPr>
+          <a:lstStyle/>
+          <a:p>
+            <a:r>
+              <a:rPr lang="en-US" altLang="zh-CN" sz="1400" dirty="0" smtClean="0"/>
+              <a:t>NH</a:t>
+            </a:r>
+            <a:r>
+              <a:rPr lang="en-US" altLang="zh-CN" sz="1400" baseline="-25000" dirty="0" smtClean="0"/>
+              <a:t>3</a:t>
+            </a:r>
+            <a:endParaRPr lang="en-US" sz="1400" dirty="0"/>
+          </a:p>
+        </p:txBody>
+      </p:sp>
+      <p:sp>
+        <p:nvSpPr>
+          <p:cNvPr id="22" name="TextBox 21"/>
+          <p:cNvSpPr txBox="1"/>
+          <p:nvPr/>
+        </p:nvSpPr>
+        <p:spPr>
+          <a:xfrm>
+            <a:off x="1769935" y="3106138"/>
+            <a:ext cx="560832" cy="307777"/>
+          </a:xfrm>
+          <a:prstGeom prst="rect">
+            <a:avLst/>
+          </a:prstGeom>
+          <a:solidFill>
+            <a:schemeClr val="bg1"/>
+          </a:solidFill>
+        </p:spPr>
+        <p:txBody>
+          <a:bodyPr wrap="square" rtlCol="0">
+            <a:spAutoFit/>
+          </a:bodyPr>
+          <a:lstStyle/>
+          <a:p>
+            <a:r>
+              <a:rPr lang="mr-IN" sz="1400" dirty="0" smtClean="0"/>
+              <a:t>…</a:t>
+            </a:r>
+            <a:endParaRPr lang="en-US" sz="1400" dirty="0"/>
+          </a:p>
+        </p:txBody>
+      </p:sp>
+      <p:sp>
+        <p:nvSpPr>
+          <p:cNvPr id="23" name="TextBox 22"/>
+          <p:cNvSpPr txBox="1"/>
+          <p:nvPr/>
+        </p:nvSpPr>
+        <p:spPr>
+          <a:xfrm>
+            <a:off x="1769935" y="3700136"/>
+            <a:ext cx="560832" cy="307777"/>
+          </a:xfrm>
+          <a:prstGeom prst="rect">
+            <a:avLst/>
+          </a:prstGeom>
+          <a:solidFill>
+            <a:schemeClr val="bg1"/>
+          </a:solidFill>
+        </p:spPr>
+        <p:txBody>
+          <a:bodyPr wrap="square" rtlCol="0">
+            <a:spAutoFit/>
+          </a:bodyPr>
+          <a:lstStyle/>
+          <a:p>
+            <a:r>
+              <a:rPr lang="mr-IN" altLang="zh-CN" sz="1400" dirty="0" smtClean="0"/>
+              <a:t>…</a:t>
+            </a:r>
+            <a:endParaRPr lang="en-US" sz="1400" dirty="0"/>
+          </a:p>
+        </p:txBody>
+      </p:sp>
+      <p:sp>
+        <p:nvSpPr>
+          <p:cNvPr id="24" name="TextBox 23"/>
+          <p:cNvSpPr txBox="1"/>
+          <p:nvPr/>
+        </p:nvSpPr>
+        <p:spPr>
+          <a:xfrm>
+            <a:off x="1769935" y="3403137"/>
+            <a:ext cx="560832" cy="307777"/>
+          </a:xfrm>
+          <a:prstGeom prst="rect">
+            <a:avLst/>
+          </a:prstGeom>
+          <a:solidFill>
+            <a:schemeClr val="bg1"/>
+          </a:solidFill>
+        </p:spPr>
+        <p:txBody>
+          <a:bodyPr wrap="square" rtlCol="0">
+            <a:spAutoFit/>
+          </a:bodyPr>
+          <a:lstStyle/>
+          <a:p>
+            <a:r>
+              <a:rPr lang="mr-IN" altLang="zh-CN" sz="1400" dirty="0" smtClean="0"/>
+              <a:t>…</a:t>
+            </a:r>
+            <a:endParaRPr lang="en-US" sz="1400" dirty="0"/>
+          </a:p>
+        </p:txBody>
+      </p:sp>
+      <p:sp>
+        <p:nvSpPr>
+          <p:cNvPr id="25" name="TextBox 24"/>
+          <p:cNvSpPr txBox="1"/>
+          <p:nvPr/>
+        </p:nvSpPr>
+        <p:spPr>
+          <a:xfrm>
+            <a:off x="1769935" y="3997135"/>
+            <a:ext cx="560832" cy="307777"/>
+          </a:xfrm>
+          <a:prstGeom prst="rect">
+            <a:avLst/>
+          </a:prstGeom>
+          <a:solidFill>
+            <a:schemeClr val="bg1"/>
+          </a:solidFill>
+        </p:spPr>
+        <p:txBody>
+          <a:bodyPr wrap="square" rtlCol="0">
+            <a:spAutoFit/>
+          </a:bodyPr>
+          <a:lstStyle/>
+          <a:p>
+            <a:r>
+              <a:rPr lang="mr-IN" altLang="zh-CN" sz="1400" dirty="0" smtClean="0"/>
+              <a:t>…</a:t>
+            </a:r>
+            <a:endParaRPr lang="en-US" sz="1400" dirty="0"/>
+          </a:p>
+        </p:txBody>
+      </p:sp>
+      <p:sp>
+        <p:nvSpPr>
+          <p:cNvPr id="30" name="TextBox 29"/>
+          <p:cNvSpPr txBox="1"/>
+          <p:nvPr/>
+        </p:nvSpPr>
+        <p:spPr>
+          <a:xfrm>
+            <a:off x="1762601" y="4300954"/>
+            <a:ext cx="560832" cy="307777"/>
+          </a:xfrm>
+          <a:prstGeom prst="rect">
+            <a:avLst/>
+          </a:prstGeom>
+          <a:solidFill>
+            <a:schemeClr val="bg1"/>
+          </a:solidFill>
+        </p:spPr>
+        <p:txBody>
+          <a:bodyPr wrap="square" rtlCol="0">
+            <a:spAutoFit/>
+          </a:bodyPr>
+          <a:lstStyle/>
+          <a:p>
+            <a:r>
+              <a:rPr lang="mr-IN" altLang="zh-CN" sz="1400" dirty="0" smtClean="0"/>
+              <a:t>…</a:t>
+            </a:r>
+            <a:endParaRPr lang="en-US" sz="1400" dirty="0"/>
+          </a:p>
+        </p:txBody>
+      </p:sp>
+      <p:sp>
+        <p:nvSpPr>
+          <p:cNvPr id="31" name="TextBox 30"/>
+          <p:cNvSpPr txBox="1"/>
+          <p:nvPr/>
+        </p:nvSpPr>
+        <p:spPr>
+          <a:xfrm>
+            <a:off x="1762601" y="4894952"/>
+            <a:ext cx="560832" cy="307777"/>
+          </a:xfrm>
+          <a:prstGeom prst="rect">
+            <a:avLst/>
+          </a:prstGeom>
+          <a:solidFill>
+            <a:schemeClr val="bg1"/>
+          </a:solidFill>
+        </p:spPr>
+        <p:txBody>
+          <a:bodyPr wrap="square" rtlCol="0">
+            <a:spAutoFit/>
+          </a:bodyPr>
+          <a:lstStyle/>
+          <a:p>
+            <a:r>
+              <a:rPr lang="mr-IN" altLang="zh-CN" sz="1400" smtClean="0"/>
+              <a:t>…</a:t>
+            </a:r>
+            <a:endParaRPr lang="en-US" sz="1400" dirty="0"/>
+          </a:p>
+        </p:txBody>
+      </p:sp>
+      <p:sp>
+        <p:nvSpPr>
+          <p:cNvPr id="32" name="TextBox 31"/>
+          <p:cNvSpPr txBox="1"/>
+          <p:nvPr/>
+        </p:nvSpPr>
+        <p:spPr>
+          <a:xfrm>
+            <a:off x="1762601" y="4597953"/>
+            <a:ext cx="560832" cy="307777"/>
+          </a:xfrm>
+          <a:prstGeom prst="rect">
+            <a:avLst/>
+          </a:prstGeom>
+          <a:solidFill>
+            <a:schemeClr val="bg1"/>
+          </a:solidFill>
+        </p:spPr>
+        <p:txBody>
+          <a:bodyPr wrap="square" rtlCol="0">
+            <a:spAutoFit/>
+          </a:bodyPr>
+          <a:lstStyle/>
+          <a:p>
+            <a:r>
+              <a:rPr lang="mr-IN" altLang="zh-CN" sz="1400" dirty="0" smtClean="0"/>
+              <a:t>…</a:t>
+            </a:r>
+            <a:endParaRPr lang="en-US" sz="1400" dirty="0"/>
+          </a:p>
+        </p:txBody>
+      </p:sp>
+      <p:sp>
+        <p:nvSpPr>
+          <p:cNvPr id="33" name="TextBox 32"/>
+          <p:cNvSpPr txBox="1"/>
+          <p:nvPr/>
+        </p:nvSpPr>
+        <p:spPr>
+          <a:xfrm>
+            <a:off x="1762601" y="5191951"/>
+            <a:ext cx="560832" cy="307777"/>
+          </a:xfrm>
+          <a:prstGeom prst="rect">
+            <a:avLst/>
+          </a:prstGeom>
+          <a:solidFill>
+            <a:schemeClr val="bg1"/>
+          </a:solidFill>
+        </p:spPr>
+        <p:txBody>
+          <a:bodyPr wrap="square" rtlCol="0">
+            <a:spAutoFit/>
+          </a:bodyPr>
+          <a:lstStyle/>
+          <a:p>
+            <a:r>
+              <a:rPr lang="mr-IN" altLang="zh-CN" sz="1400" dirty="0" smtClean="0"/>
+              <a:t>…</a:t>
+            </a:r>
+            <a:endParaRPr lang="en-US" sz="1400" dirty="0"/>
+          </a:p>
+        </p:txBody>
+      </p:sp>
+      <p:sp>
+        <p:nvSpPr>
+          <p:cNvPr id="34" name="TextBox 33"/>
+          <p:cNvSpPr txBox="1"/>
+          <p:nvPr/>
+        </p:nvSpPr>
+        <p:spPr>
+          <a:xfrm>
+            <a:off x="2457690" y="1536192"/>
+            <a:ext cx="560832" cy="338554"/>
+          </a:xfrm>
+          <a:prstGeom prst="rect">
+            <a:avLst/>
+          </a:prstGeom>
+          <a:solidFill>
+            <a:schemeClr val="bg1"/>
+          </a:solidFill>
+        </p:spPr>
+        <p:txBody>
+          <a:bodyPr wrap="square" rtlCol="0">
+            <a:spAutoFit/>
+          </a:bodyPr>
+          <a:lstStyle/>
+          <a:p>
+            <a:r>
+              <a:rPr lang="en-US" altLang="zh-CN" sz="1600" dirty="0" smtClean="0"/>
+              <a:t>3</a:t>
+            </a:r>
+            <a:r>
+              <a:rPr lang="zh-CN" altLang="en-US" sz="1600" dirty="0" smtClean="0"/>
+              <a:t>日</a:t>
+            </a:r>
+            <a:endParaRPr lang="en-US" sz="1600" dirty="0"/>
+          </a:p>
+        </p:txBody>
+      </p:sp>
+      <p:sp>
+        <p:nvSpPr>
+          <p:cNvPr id="35" name="TextBox 34"/>
+          <p:cNvSpPr txBox="1"/>
+          <p:nvPr/>
+        </p:nvSpPr>
+        <p:spPr>
+          <a:xfrm>
+            <a:off x="2182368" y="5836165"/>
+            <a:ext cx="2804160" cy="307777"/>
+          </a:xfrm>
+          <a:prstGeom prst="rect">
+            <a:avLst/>
+          </a:prstGeom>
+          <a:solidFill>
+            <a:schemeClr val="bg1"/>
+          </a:solidFill>
+        </p:spPr>
+        <p:txBody>
+          <a:bodyPr wrap="square" rtlCol="0">
+            <a:spAutoFit/>
+          </a:bodyPr>
+          <a:lstStyle/>
+          <a:p>
+            <a:r>
+              <a:rPr lang="en-US" sz="1400" dirty="0" smtClean="0"/>
+              <a:t>0                          </a:t>
+            </a:r>
+            <a:r>
+              <a:rPr lang="zh-CN" altLang="en-US" sz="1400" dirty="0" smtClean="0"/>
+              <a:t>           </a:t>
+            </a:r>
+            <a:r>
+              <a:rPr lang="en-US" sz="1400" dirty="0" smtClean="0"/>
+              <a:t>            1</a:t>
+            </a:r>
+            <a:endParaRPr lang="en-US" sz="1400" dirty="0"/>
+          </a:p>
+        </p:txBody>
+      </p:sp>
+      <p:cxnSp>
+        <p:nvCxnSpPr>
+          <p:cNvPr id="38" name="Straight Arrow Connector 37"/>
+          <p:cNvCxnSpPr/>
+          <p:nvPr/>
+        </p:nvCxnSpPr>
+        <p:spPr>
+          <a:xfrm>
+            <a:off x="2330767" y="1536192"/>
+            <a:ext cx="8461727" cy="0"/>
+          </a:xfrm>
+          <a:prstGeom prst="straightConnector1">
+            <a:avLst/>
+          </a:prstGeom>
+          <a:ln w="34925">
+            <a:tailEnd type="triangle" w="lg" len="lg"/>
+          </a:ln>
+        </p:spPr>
+        <p:style>
+          <a:lnRef idx="1">
+            <a:schemeClr val="accent1"/>
+          </a:lnRef>
+          <a:fillRef idx="0">
+            <a:schemeClr val="accent1"/>
+          </a:fillRef>
+          <a:effectRef idx="0">
+            <a:schemeClr val="accent1"/>
+          </a:effectRef>
+          <a:fontRef idx="minor">
+            <a:schemeClr val="tx1"/>
+          </a:fontRef>
+        </p:style>
+      </p:cxnSp>
+      <p:cxnSp>
+        <p:nvCxnSpPr>
+          <p:cNvPr id="42" name="Straight Arrow Connector 41"/>
+          <p:cNvCxnSpPr/>
+          <p:nvPr/>
+        </p:nvCxnSpPr>
+        <p:spPr>
+          <a:xfrm>
+            <a:off x="1762601" y="1874746"/>
+            <a:ext cx="0" cy="3721382"/>
+          </a:xfrm>
+          <a:prstGeom prst="straightConnector1">
+            <a:avLst/>
+          </a:prstGeom>
+          <a:ln w="34925">
+            <a:tailEnd type="triangle" w="lg" len="lg"/>
+          </a:ln>
+        </p:spPr>
+        <p:style>
+          <a:lnRef idx="1">
+            <a:schemeClr val="accent1"/>
+          </a:lnRef>
+          <a:fillRef idx="0">
+            <a:schemeClr val="accent1"/>
+          </a:fillRef>
+          <a:effectRef idx="0">
+            <a:schemeClr val="accent1"/>
+          </a:effectRef>
+          <a:fontRef idx="minor">
+            <a:schemeClr val="tx1"/>
+          </a:fontRef>
+        </p:style>
+      </p:cxnSp>
+      <p:sp>
+        <p:nvSpPr>
+          <p:cNvPr id="43" name="TextBox 42"/>
+          <p:cNvSpPr txBox="1"/>
+          <p:nvPr/>
+        </p:nvSpPr>
+        <p:spPr>
+          <a:xfrm>
+            <a:off x="5859020" y="1106860"/>
+            <a:ext cx="646331" cy="369332"/>
+          </a:xfrm>
+          <a:prstGeom prst="rect">
+            <a:avLst/>
+          </a:prstGeom>
+          <a:noFill/>
+        </p:spPr>
+        <p:txBody>
+          <a:bodyPr wrap="none" rtlCol="0">
+            <a:spAutoFit/>
+          </a:bodyPr>
+          <a:lstStyle/>
+          <a:p>
+            <a:r>
+              <a:rPr lang="zh-CN" altLang="en-US" dirty="0" smtClean="0"/>
+              <a:t>时间</a:t>
+            </a:r>
+            <a:endParaRPr lang="en-US" dirty="0"/>
+          </a:p>
+        </p:txBody>
+      </p:sp>
+      <p:sp>
+        <p:nvSpPr>
+          <p:cNvPr id="44" name="TextBox 43"/>
+          <p:cNvSpPr txBox="1"/>
+          <p:nvPr/>
+        </p:nvSpPr>
+        <p:spPr>
+          <a:xfrm>
+            <a:off x="1342679" y="2776521"/>
+            <a:ext cx="412589" cy="1477328"/>
+          </a:xfrm>
+          <a:prstGeom prst="rect">
+            <a:avLst/>
+          </a:prstGeom>
+          <a:noFill/>
+        </p:spPr>
+        <p:txBody>
+          <a:bodyPr wrap="square" rtlCol="0">
+            <a:spAutoFit/>
+          </a:bodyPr>
+          <a:lstStyle/>
+          <a:p>
+            <a:r>
+              <a:rPr lang="zh-CN" altLang="en-US" dirty="0" smtClean="0"/>
+              <a:t>污染物因子</a:t>
+            </a:r>
+            <a:endParaRPr lang="en-US" dirty="0"/>
+          </a:p>
+        </p:txBody>
+      </p:sp>
+    </p:spTree>
+    <p:extLst>
+      <p:ext uri="{BB962C8B-B14F-4D97-AF65-F5344CB8AC3E}">
+        <p14:creationId xmlns:p14="http://schemas.microsoft.com/office/powerpoint/2010/main" val="1971250"/>
       </p:ext>
     </p:extLst>
   </p:cSld>
